--- a/materials/draft.pptx
+++ b/materials/draft.pptx
@@ -3390,10 +3390,9 @@
           </a:p>
           <a:p>
             <a:r>
-              <a:rPr lang="en-US"/>
+              <a:rPr lang="en-US" dirty="0"/>
               <a:t>01/24/2018</a:t>
             </a:r>
-            <a:endParaRPr lang="en-US" dirty="0"/>
           </a:p>
         </p:txBody>
       </p:sp>
@@ -4679,9 +4678,10 @@
               <a:buChar char="§"/>
             </a:pPr>
             <a:r>
-              <a:rPr lang="en-US" sz="1400" b="1" dirty="0"/>
+              <a:rPr lang="en-US" sz="1400" b="1" dirty="0" err="1"/>
               <a:t>PyTorch</a:t>
             </a:r>
+            <a:endParaRPr lang="en-US" sz="1400" b="1" dirty="0"/>
           </a:p>
         </p:txBody>
       </p:sp>
@@ -4823,9 +4823,10 @@
             <a:lstStyle/>
             <a:p>
               <a:r>
-                <a:rPr lang="en-US" sz="1400" b="1" dirty="0"/>
+                <a:rPr lang="en-US" sz="1400" b="1" dirty="0" err="1"/>
                 <a:t>IPython</a:t>
               </a:r>
+              <a:endParaRPr lang="en-US" sz="1400" b="1" dirty="0"/>
             </a:p>
             <a:p>
               <a:pPr marL="285750" indent="-285750">
@@ -5991,10 +5992,10 @@
       </p:grpSpPr>
       <p:sp>
         <p:nvSpPr>
-          <p:cNvPr id="12" name="Rectangle 11">
-            <a:extLst>
-              <a:ext uri="{FF2B5EF4-FFF2-40B4-BE49-F238E27FC236}">
-                <a16:creationId xmlns:a16="http://schemas.microsoft.com/office/drawing/2014/main" id="{BFDC535F-AC0A-417D-96AB-6706BECACD95}"/>
+          <p:cNvPr id="23" name="Rectangle 22">
+            <a:extLst>
+              <a:ext uri="{FF2B5EF4-FFF2-40B4-BE49-F238E27FC236}">
+                <a16:creationId xmlns:a16="http://schemas.microsoft.com/office/drawing/2014/main" id="{0959F59E-86AC-4677-BFB0-9CD55AB10761}"/>
               </a:ext>
               <a:ext uri="{C183D7F6-B498-43B3-948B-1728B52AA6E4}">
                 <adec:decorative xmlns:adec="http://schemas.microsoft.com/office/drawing/2017/decorative" val="1"/>
@@ -6014,14 +6015,17 @@
         </p:nvSpPr>
         <p:spPr>
           <a:xfrm>
-            <a:off x="1" y="0"/>
-            <a:ext cx="12188726" cy="6858000"/>
+            <a:off x="0" y="0"/>
+            <a:ext cx="12192000" cy="6858000"/>
           </a:xfrm>
           <a:prstGeom prst="rect">
             <a:avLst/>
           </a:prstGeom>
           <a:solidFill>
-            <a:srgbClr val="323555"/>
+            <a:schemeClr val="bg1">
+              <a:lumMod val="85000"/>
+              <a:alpha val="90000"/>
+            </a:schemeClr>
           </a:solidFill>
           <a:ln>
             <a:noFill/>
@@ -6054,10 +6058,10 @@
       </p:sp>
       <p:sp>
         <p:nvSpPr>
-          <p:cNvPr id="14" name="Rectangle 13">
-            <a:extLst>
-              <a:ext uri="{FF2B5EF4-FFF2-40B4-BE49-F238E27FC236}">
-                <a16:creationId xmlns:a16="http://schemas.microsoft.com/office/drawing/2014/main" id="{97AAAF8E-31DB-4148-8FCA-4D8233D691C6}"/>
+          <p:cNvPr id="25" name="Rectangle 24">
+            <a:extLst>
+              <a:ext uri="{FF2B5EF4-FFF2-40B4-BE49-F238E27FC236}">
+                <a16:creationId xmlns:a16="http://schemas.microsoft.com/office/drawing/2014/main" id="{997ED08E-7CE7-4539-8E16-6A356378B3D3}"/>
               </a:ext>
               <a:ext uri="{C183D7F6-B498-43B3-948B-1728B52AA6E4}">
                 <adec:decorative xmlns:adec="http://schemas.microsoft.com/office/drawing/2017/decorative" val="1"/>
@@ -6077,8 +6081,8 @@
         </p:nvSpPr>
         <p:spPr>
           <a:xfrm>
-            <a:off x="495953" y="484068"/>
-            <a:ext cx="6898027" cy="5889300"/>
+            <a:off x="477012" y="487090"/>
+            <a:ext cx="7324526" cy="5897880"/>
           </a:xfrm>
           <a:prstGeom prst="rect">
             <a:avLst/>
@@ -6086,8 +6090,14 @@
           <a:solidFill>
             <a:srgbClr val="FFFFFF"/>
           </a:solidFill>
-          <a:ln>
-            <a:noFill/>
+          <a:ln w="19050">
+            <a:solidFill>
+              <a:schemeClr val="tx1">
+                <a:lumMod val="50000"/>
+                <a:lumOff val="50000"/>
+                <a:alpha val="80000"/>
+              </a:schemeClr>
+            </a:solidFill>
           </a:ln>
         </p:spPr>
         <p:style>
@@ -6143,8 +6153,8 @@
         </p:blipFill>
         <p:spPr>
           <a:xfrm>
-            <a:off x="832842" y="806754"/>
-            <a:ext cx="6224248" cy="5243929"/>
+            <a:off x="834654" y="650497"/>
+            <a:ext cx="6612541" cy="5571066"/>
           </a:xfrm>
           <a:prstGeom prst="rect">
             <a:avLst/>
@@ -6153,10 +6163,10 @@
       </p:pic>
       <p:sp>
         <p:nvSpPr>
-          <p:cNvPr id="16" name="Rectangle 15">
-            <a:extLst>
-              <a:ext uri="{FF2B5EF4-FFF2-40B4-BE49-F238E27FC236}">
-                <a16:creationId xmlns:a16="http://schemas.microsoft.com/office/drawing/2014/main" id="{AA274328-4774-4DF9-BA53-452565122FBB}"/>
+          <p:cNvPr id="27" name="Rectangle 26">
+            <a:extLst>
+              <a:ext uri="{FF2B5EF4-FFF2-40B4-BE49-F238E27FC236}">
+                <a16:creationId xmlns:a16="http://schemas.microsoft.com/office/drawing/2014/main" id="{39F96DC1-4B54-4B36-B945-425E4C04AFBD}"/>
               </a:ext>
               <a:ext uri="{C183D7F6-B498-43B3-948B-1728B52AA6E4}">
                 <adec:decorative xmlns:adec="http://schemas.microsoft.com/office/drawing/2017/decorative" val="1"/>
@@ -6176,8 +6186,8 @@
         </p:nvSpPr>
         <p:spPr>
           <a:xfrm>
-            <a:off x="7561393" y="484069"/>
-            <a:ext cx="4145975" cy="3499898"/>
+            <a:off x="7969003" y="487090"/>
+            <a:ext cx="3745983" cy="1856232"/>
           </a:xfrm>
           <a:prstGeom prst="rect">
             <a:avLst/>
@@ -6185,8 +6195,14 @@
           <a:solidFill>
             <a:srgbClr val="FFFFFF"/>
           </a:solidFill>
-          <a:ln>
-            <a:noFill/>
+          <a:ln w="19050">
+            <a:solidFill>
+              <a:schemeClr val="tx1">
+                <a:lumMod val="50000"/>
+                <a:lumOff val="50000"/>
+                <a:alpha val="80000"/>
+              </a:schemeClr>
+            </a:solidFill>
           </a:ln>
         </p:spPr>
         <p:style>
@@ -6242,8 +6258,8 @@
         </p:blipFill>
         <p:spPr>
           <a:xfrm>
-            <a:off x="7883059" y="1527344"/>
-            <a:ext cx="3502643" cy="1413347"/>
+            <a:off x="8129872" y="719343"/>
+            <a:ext cx="3420946" cy="1380381"/>
           </a:xfrm>
           <a:prstGeom prst="rect">
             <a:avLst/>
@@ -6252,10 +6268,10 @@
       </p:pic>
       <p:sp>
         <p:nvSpPr>
-          <p:cNvPr id="18" name="Rectangle 17">
-            <a:extLst>
-              <a:ext uri="{FF2B5EF4-FFF2-40B4-BE49-F238E27FC236}">
-                <a16:creationId xmlns:a16="http://schemas.microsoft.com/office/drawing/2014/main" id="{01C7B46D-2FEF-4FAA-915B-8B21A66BB647}"/>
+          <p:cNvPr id="29" name="Rectangle 28">
+            <a:extLst>
+              <a:ext uri="{FF2B5EF4-FFF2-40B4-BE49-F238E27FC236}">
+                <a16:creationId xmlns:a16="http://schemas.microsoft.com/office/drawing/2014/main" id="{A4F450A1-0760-4C39-82E4-515AA4FC9473}"/>
               </a:ext>
               <a:ext uri="{C183D7F6-B498-43B3-948B-1728B52AA6E4}">
                 <adec:decorative xmlns:adec="http://schemas.microsoft.com/office/drawing/2017/decorative" val="1"/>
@@ -6275,8 +6291,8 @@
         </p:nvSpPr>
         <p:spPr>
           <a:xfrm>
-            <a:off x="7561393" y="4144834"/>
-            <a:ext cx="4145975" cy="2211517"/>
+            <a:off x="7969003" y="2511639"/>
+            <a:ext cx="3745983" cy="1856232"/>
           </a:xfrm>
           <a:prstGeom prst="rect">
             <a:avLst/>
@@ -6284,8 +6300,14 @@
           <a:solidFill>
             <a:srgbClr val="FFFFFF"/>
           </a:solidFill>
-          <a:ln>
-            <a:noFill/>
+          <a:ln w="19050">
+            <a:solidFill>
+              <a:schemeClr val="tx1">
+                <a:lumMod val="50000"/>
+                <a:lumOff val="50000"/>
+                <a:alpha val="80000"/>
+              </a:schemeClr>
+            </a:solidFill>
           </a:ln>
         </p:spPr>
         <p:style>
@@ -6315,10 +6337,10 @@
       </p:sp>
       <p:pic>
         <p:nvPicPr>
-          <p:cNvPr id="7" name="Picture 6" descr="A screenshot of a cell phone&#10;&#10;Description automatically generated">
-            <a:extLst>
-              <a:ext uri="{FF2B5EF4-FFF2-40B4-BE49-F238E27FC236}">
-                <a16:creationId xmlns:a16="http://schemas.microsoft.com/office/drawing/2014/main" id="{5996B32F-EEEB-C646-BEFC-8489E3634DB6}"/>
+          <p:cNvPr id="2" name="Picture 1">
+            <a:extLst>
+              <a:ext uri="{FF2B5EF4-FFF2-40B4-BE49-F238E27FC236}">
+                <a16:creationId xmlns:a16="http://schemas.microsoft.com/office/drawing/2014/main" id="{8B8675B4-8518-A34E-8339-92017719A907}"/>
               </a:ext>
             </a:extLst>
           </p:cNvPr>
@@ -6335,8 +6357,107 @@
         </p:blipFill>
         <p:spPr>
           <a:xfrm>
-            <a:off x="7883059" y="4642008"/>
-            <a:ext cx="3502643" cy="1217168"/>
+            <a:off x="8129872" y="2814250"/>
+            <a:ext cx="3420946" cy="1248645"/>
+          </a:xfrm>
+          <a:prstGeom prst="rect">
+            <a:avLst/>
+          </a:prstGeom>
+        </p:spPr>
+      </p:pic>
+      <p:sp>
+        <p:nvSpPr>
+          <p:cNvPr id="31" name="Rectangle 30">
+            <a:extLst>
+              <a:ext uri="{FF2B5EF4-FFF2-40B4-BE49-F238E27FC236}">
+                <a16:creationId xmlns:a16="http://schemas.microsoft.com/office/drawing/2014/main" id="{0185CD32-2E94-4663-81AE-CC54E44AC2FC}"/>
+              </a:ext>
+              <a:ext uri="{C183D7F6-B498-43B3-948B-1728B52AA6E4}">
+                <adec:decorative xmlns:adec="http://schemas.microsoft.com/office/drawing/2017/decorative" val="1"/>
+              </a:ext>
+            </a:extLst>
+          </p:cNvPr>
+          <p:cNvSpPr>
+            <a:spLocks noGrp="1" noRot="1" noChangeAspect="1" noMove="1" noResize="1" noEditPoints="1" noAdjustHandles="1" noChangeArrowheads="1" noChangeShapeType="1" noTextEdit="1"/>
+          </p:cNvSpPr>
+          <p:nvPr>
+            <p:extLst>
+              <p:ext uri="{386F3935-93C4-4BCD-93E2-E3B085C9AB24}">
+                <p16:designElem xmlns:p16="http://schemas.microsoft.com/office/powerpoint/2015/main" val="1"/>
+              </p:ext>
+            </p:extLst>
+          </p:nvPr>
+        </p:nvSpPr>
+        <p:spPr>
+          <a:xfrm>
+            <a:off x="7969003" y="4528738"/>
+            <a:ext cx="3745983" cy="1856232"/>
+          </a:xfrm>
+          <a:prstGeom prst="rect">
+            <a:avLst/>
+          </a:prstGeom>
+          <a:solidFill>
+            <a:srgbClr val="FFFFFF"/>
+          </a:solidFill>
+          <a:ln w="19050">
+            <a:solidFill>
+              <a:schemeClr val="tx1">
+                <a:lumMod val="50000"/>
+                <a:lumOff val="50000"/>
+                <a:alpha val="80000"/>
+              </a:schemeClr>
+            </a:solidFill>
+          </a:ln>
+        </p:spPr>
+        <p:style>
+          <a:lnRef idx="2">
+            <a:schemeClr val="accent1">
+              <a:shade val="50000"/>
+            </a:schemeClr>
+          </a:lnRef>
+          <a:fillRef idx="1">
+            <a:schemeClr val="accent1"/>
+          </a:fillRef>
+          <a:effectRef idx="0">
+            <a:schemeClr val="accent1"/>
+          </a:effectRef>
+          <a:fontRef idx="minor">
+            <a:schemeClr val="lt1"/>
+          </a:fontRef>
+        </p:style>
+        <p:txBody>
+          <a:bodyPr rtlCol="0" anchor="ctr"/>
+          <a:lstStyle/>
+          <a:p>
+            <a:pPr algn="ctr"/>
+            <a:endParaRPr lang="en-US"/>
+          </a:p>
+        </p:txBody>
+      </p:sp>
+      <p:pic>
+        <p:nvPicPr>
+          <p:cNvPr id="7" name="Picture 6" descr="A screenshot of a cell phone&#10;&#10;Description automatically generated">
+            <a:extLst>
+              <a:ext uri="{FF2B5EF4-FFF2-40B4-BE49-F238E27FC236}">
+                <a16:creationId xmlns:a16="http://schemas.microsoft.com/office/drawing/2014/main" id="{5996B32F-EEEB-C646-BEFC-8489E3634DB6}"/>
+              </a:ext>
+            </a:extLst>
+          </p:cNvPr>
+          <p:cNvPicPr>
+            <a:picLocks noChangeAspect="1"/>
+          </p:cNvPicPr>
+          <p:nvPr/>
+        </p:nvPicPr>
+        <p:blipFill>
+          <a:blip r:embed="rId5"/>
+          <a:stretch>
+            <a:fillRect/>
+          </a:stretch>
+        </p:blipFill>
+        <p:spPr>
+          <a:xfrm>
+            <a:off x="8129872" y="4861107"/>
+            <a:ext cx="3420946" cy="1188778"/>
           </a:xfrm>
           <a:prstGeom prst="rect">
             <a:avLst/>
@@ -6637,7 +6758,7 @@
         </p:blipFill>
         <p:spPr bwMode="auto">
           <a:xfrm>
-            <a:off x="2127556" y="2295247"/>
+            <a:off x="3165048" y="2295247"/>
             <a:ext cx="702035" cy="702035"/>
           </a:xfrm>
           <a:prstGeom prst="rect">
@@ -6684,7 +6805,7 @@
         </p:blipFill>
         <p:spPr bwMode="auto">
           <a:xfrm>
-            <a:off x="2175898" y="3013783"/>
+            <a:off x="3213390" y="3013783"/>
             <a:ext cx="690778" cy="588731"/>
           </a:xfrm>
           <a:prstGeom prst="rect">
@@ -6731,7 +6852,7 @@
         </p:blipFill>
         <p:spPr bwMode="auto">
           <a:xfrm>
-            <a:off x="2164641" y="3678129"/>
+            <a:off x="3202133" y="3678129"/>
             <a:ext cx="702035" cy="491425"/>
           </a:xfrm>
           <a:prstGeom prst="rect">
@@ -6778,7 +6899,7 @@
         </p:blipFill>
         <p:spPr bwMode="auto">
           <a:xfrm>
-            <a:off x="3494540" y="1871071"/>
+            <a:off x="4532032" y="1871071"/>
             <a:ext cx="556206" cy="192355"/>
           </a:xfrm>
           <a:prstGeom prst="rect">
@@ -6825,7 +6946,7 @@
         </p:blipFill>
         <p:spPr bwMode="auto">
           <a:xfrm>
-            <a:off x="3494540" y="3905464"/>
+            <a:off x="4532032" y="3905464"/>
             <a:ext cx="1147826" cy="264090"/>
           </a:xfrm>
           <a:prstGeom prst="rect">
@@ -6872,7 +6993,7 @@
         </p:blipFill>
         <p:spPr bwMode="auto">
           <a:xfrm>
-            <a:off x="3494540" y="2488863"/>
+            <a:off x="4532032" y="2488863"/>
             <a:ext cx="804558" cy="314805"/>
           </a:xfrm>
           <a:prstGeom prst="rect">
@@ -6919,7 +7040,7 @@
         </p:blipFill>
         <p:spPr bwMode="auto">
           <a:xfrm>
-            <a:off x="3494540" y="3384625"/>
+            <a:off x="4532032" y="3384625"/>
             <a:ext cx="623349" cy="219211"/>
           </a:xfrm>
           <a:prstGeom prst="rect">
@@ -6991,7 +7112,7 @@
         </p:nvCxnSpPr>
         <p:spPr>
           <a:xfrm>
-            <a:off x="3159370" y="1011115"/>
+            <a:off x="4196862" y="1011115"/>
             <a:ext cx="0" cy="3947747"/>
           </a:xfrm>
           <a:prstGeom prst="line">
@@ -7031,7 +7152,7 @@
         </p:nvSpPr>
         <p:spPr>
           <a:xfrm>
-            <a:off x="752634" y="4589530"/>
+            <a:off x="551006" y="4588448"/>
             <a:ext cx="1025794" cy="369332"/>
           </a:xfrm>
           <a:prstGeom prst="rect">
@@ -7066,7 +7187,7 @@
         </p:nvSpPr>
         <p:spPr>
           <a:xfrm>
-            <a:off x="1826419" y="4597781"/>
+            <a:off x="2227831" y="4588989"/>
             <a:ext cx="1380378" cy="369332"/>
           </a:xfrm>
           <a:prstGeom prst="rect">
@@ -7101,7 +7222,7 @@
         </p:nvSpPr>
         <p:spPr>
           <a:xfrm>
-            <a:off x="3206797" y="4597781"/>
+            <a:off x="4196862" y="4588448"/>
             <a:ext cx="1938800" cy="369332"/>
           </a:xfrm>
           <a:prstGeom prst="rect">
@@ -7118,6 +7239,351 @@
             <a:r>
               <a:rPr lang="en-US" u="sng" dirty="0"/>
               <a:t>Web Development</a:t>
+            </a:r>
+          </a:p>
+        </p:txBody>
+      </p:sp>
+      <p:sp>
+        <p:nvSpPr>
+          <p:cNvPr id="22" name="TextBox 21">
+            <a:extLst>
+              <a:ext uri="{FF2B5EF4-FFF2-40B4-BE49-F238E27FC236}">
+                <a16:creationId xmlns:a16="http://schemas.microsoft.com/office/drawing/2014/main" id="{97B34C5D-E487-7547-818B-937F014F7737}"/>
+              </a:ext>
+            </a:extLst>
+          </p:cNvPr>
+          <p:cNvSpPr txBox="1"/>
+          <p:nvPr/>
+        </p:nvSpPr>
+        <p:spPr>
+          <a:xfrm>
+            <a:off x="340774" y="1135413"/>
+            <a:ext cx="631070" cy="276999"/>
+          </a:xfrm>
+          <a:prstGeom prst="rect">
+            <a:avLst/>
+          </a:prstGeom>
+          <a:noFill/>
+        </p:spPr>
+        <p:txBody>
+          <a:bodyPr wrap="none" rtlCol="0">
+            <a:spAutoFit/>
+          </a:bodyPr>
+          <a:lstStyle/>
+          <a:p>
+            <a:r>
+              <a:rPr lang="en-US" sz="1200" b="1" dirty="0"/>
+              <a:t>numpy</a:t>
+            </a:r>
+          </a:p>
+        </p:txBody>
+      </p:sp>
+      <p:sp>
+        <p:nvSpPr>
+          <p:cNvPr id="23" name="TextBox 22">
+            <a:extLst>
+              <a:ext uri="{FF2B5EF4-FFF2-40B4-BE49-F238E27FC236}">
+                <a16:creationId xmlns:a16="http://schemas.microsoft.com/office/drawing/2014/main" id="{9750BC5D-42C1-8C4B-8385-585F4B81A01D}"/>
+              </a:ext>
+            </a:extLst>
+          </p:cNvPr>
+          <p:cNvSpPr txBox="1"/>
+          <p:nvPr/>
+        </p:nvSpPr>
+        <p:spPr>
+          <a:xfrm>
+            <a:off x="340774" y="1786427"/>
+            <a:ext cx="502830" cy="276999"/>
+          </a:xfrm>
+          <a:prstGeom prst="rect">
+            <a:avLst/>
+          </a:prstGeom>
+          <a:noFill/>
+        </p:spPr>
+        <p:txBody>
+          <a:bodyPr wrap="none" rtlCol="0">
+            <a:spAutoFit/>
+          </a:bodyPr>
+          <a:lstStyle/>
+          <a:p>
+            <a:r>
+              <a:rPr lang="en-US" sz="1200" b="1" dirty="0"/>
+              <a:t>scipy</a:t>
+            </a:r>
+          </a:p>
+        </p:txBody>
+      </p:sp>
+      <p:sp>
+        <p:nvSpPr>
+          <p:cNvPr id="24" name="TextBox 23">
+            <a:extLst>
+              <a:ext uri="{FF2B5EF4-FFF2-40B4-BE49-F238E27FC236}">
+                <a16:creationId xmlns:a16="http://schemas.microsoft.com/office/drawing/2014/main" id="{EE59F2C7-9242-7945-8482-573EB76493A1}"/>
+              </a:ext>
+            </a:extLst>
+          </p:cNvPr>
+          <p:cNvSpPr txBox="1"/>
+          <p:nvPr/>
+        </p:nvSpPr>
+        <p:spPr>
+          <a:xfrm>
+            <a:off x="228852" y="2438266"/>
+            <a:ext cx="854914" cy="276999"/>
+          </a:xfrm>
+          <a:prstGeom prst="rect">
+            <a:avLst/>
+          </a:prstGeom>
+          <a:noFill/>
+        </p:spPr>
+        <p:txBody>
+          <a:bodyPr wrap="none" rtlCol="0">
+            <a:spAutoFit/>
+          </a:bodyPr>
+          <a:lstStyle/>
+          <a:p>
+            <a:r>
+              <a:rPr lang="en-US" sz="1200" b="1" dirty="0"/>
+              <a:t>matplotlib</a:t>
+            </a:r>
+          </a:p>
+        </p:txBody>
+      </p:sp>
+      <p:sp>
+        <p:nvSpPr>
+          <p:cNvPr id="25" name="TextBox 24">
+            <a:extLst>
+              <a:ext uri="{FF2B5EF4-FFF2-40B4-BE49-F238E27FC236}">
+                <a16:creationId xmlns:a16="http://schemas.microsoft.com/office/drawing/2014/main" id="{5BEE7F4E-F6EC-CD47-85AD-67F39B9D0070}"/>
+              </a:ext>
+            </a:extLst>
+          </p:cNvPr>
+          <p:cNvSpPr txBox="1"/>
+          <p:nvPr/>
+        </p:nvSpPr>
+        <p:spPr>
+          <a:xfrm>
+            <a:off x="251422" y="3110360"/>
+            <a:ext cx="681533" cy="276999"/>
+          </a:xfrm>
+          <a:prstGeom prst="rect">
+            <a:avLst/>
+          </a:prstGeom>
+          <a:noFill/>
+        </p:spPr>
+        <p:txBody>
+          <a:bodyPr wrap="none" rtlCol="0">
+            <a:spAutoFit/>
+          </a:bodyPr>
+          <a:lstStyle/>
+          <a:p>
+            <a:r>
+              <a:rPr lang="en-US" sz="1200" b="1" dirty="0"/>
+              <a:t>ipython</a:t>
+            </a:r>
+          </a:p>
+        </p:txBody>
+      </p:sp>
+      <p:sp>
+        <p:nvSpPr>
+          <p:cNvPr id="26" name="TextBox 25">
+            <a:extLst>
+              <a:ext uri="{FF2B5EF4-FFF2-40B4-BE49-F238E27FC236}">
+                <a16:creationId xmlns:a16="http://schemas.microsoft.com/office/drawing/2014/main" id="{C25CB691-EAED-EF4F-9D00-154D865441BC}"/>
+              </a:ext>
+            </a:extLst>
+          </p:cNvPr>
+          <p:cNvSpPr txBox="1"/>
+          <p:nvPr/>
+        </p:nvSpPr>
+        <p:spPr>
+          <a:xfrm>
+            <a:off x="252392" y="3827441"/>
+            <a:ext cx="646331" cy="276999"/>
+          </a:xfrm>
+          <a:prstGeom prst="rect">
+            <a:avLst/>
+          </a:prstGeom>
+          <a:noFill/>
+        </p:spPr>
+        <p:txBody>
+          <a:bodyPr wrap="none" rtlCol="0">
+            <a:spAutoFit/>
+          </a:bodyPr>
+          <a:lstStyle/>
+          <a:p>
+            <a:r>
+              <a:rPr lang="en-US" sz="1200" b="1" dirty="0"/>
+              <a:t>pandas</a:t>
+            </a:r>
+          </a:p>
+        </p:txBody>
+      </p:sp>
+      <p:sp>
+        <p:nvSpPr>
+          <p:cNvPr id="27" name="TextBox 26">
+            <a:extLst>
+              <a:ext uri="{FF2B5EF4-FFF2-40B4-BE49-F238E27FC236}">
+                <a16:creationId xmlns:a16="http://schemas.microsoft.com/office/drawing/2014/main" id="{6CF3957F-12E5-EE4B-B935-AE37CBDEB1A8}"/>
+              </a:ext>
+            </a:extLst>
+          </p:cNvPr>
+          <p:cNvSpPr txBox="1"/>
+          <p:nvPr/>
+        </p:nvSpPr>
+        <p:spPr>
+          <a:xfrm>
+            <a:off x="2000313" y="2438265"/>
+            <a:ext cx="934871" cy="276999"/>
+          </a:xfrm>
+          <a:prstGeom prst="rect">
+            <a:avLst/>
+          </a:prstGeom>
+          <a:noFill/>
+        </p:spPr>
+        <p:txBody>
+          <a:bodyPr wrap="none" rtlCol="0">
+            <a:spAutoFit/>
+          </a:bodyPr>
+          <a:lstStyle/>
+          <a:p>
+            <a:r>
+              <a:rPr lang="en-US" sz="1200" b="1" dirty="0"/>
+              <a:t>Sci-kit learn</a:t>
+            </a:r>
+          </a:p>
+        </p:txBody>
+      </p:sp>
+      <p:sp>
+        <p:nvSpPr>
+          <p:cNvPr id="28" name="TextBox 27">
+            <a:extLst>
+              <a:ext uri="{FF2B5EF4-FFF2-40B4-BE49-F238E27FC236}">
+                <a16:creationId xmlns:a16="http://schemas.microsoft.com/office/drawing/2014/main" id="{75BC2B85-312B-7145-8E2B-BCC51C887963}"/>
+              </a:ext>
+            </a:extLst>
+          </p:cNvPr>
+          <p:cNvSpPr txBox="1"/>
+          <p:nvPr/>
+        </p:nvSpPr>
+        <p:spPr>
+          <a:xfrm>
+            <a:off x="2003154" y="3107626"/>
+            <a:ext cx="914866" cy="276999"/>
+          </a:xfrm>
+          <a:prstGeom prst="rect">
+            <a:avLst/>
+          </a:prstGeom>
+          <a:noFill/>
+        </p:spPr>
+        <p:txBody>
+          <a:bodyPr wrap="none" rtlCol="0">
+            <a:spAutoFit/>
+          </a:bodyPr>
+          <a:lstStyle/>
+          <a:p>
+            <a:r>
+              <a:rPr lang="en-US" sz="1200" b="1" dirty="0"/>
+              <a:t>TensorFlow</a:t>
+            </a:r>
+          </a:p>
+        </p:txBody>
+      </p:sp>
+      <p:sp>
+        <p:nvSpPr>
+          <p:cNvPr id="29" name="TextBox 28">
+            <a:extLst>
+              <a:ext uri="{FF2B5EF4-FFF2-40B4-BE49-F238E27FC236}">
+                <a16:creationId xmlns:a16="http://schemas.microsoft.com/office/drawing/2014/main" id="{485B8F0A-8848-E94D-B47A-8D040316C9DC}"/>
+              </a:ext>
+            </a:extLst>
+          </p:cNvPr>
+          <p:cNvSpPr txBox="1"/>
+          <p:nvPr/>
+        </p:nvSpPr>
+        <p:spPr>
+          <a:xfrm>
+            <a:off x="2132203" y="3826694"/>
+            <a:ext cx="674672" cy="276999"/>
+          </a:xfrm>
+          <a:prstGeom prst="rect">
+            <a:avLst/>
+          </a:prstGeom>
+          <a:noFill/>
+        </p:spPr>
+        <p:txBody>
+          <a:bodyPr wrap="none" rtlCol="0">
+            <a:spAutoFit/>
+          </a:bodyPr>
+          <a:lstStyle/>
+          <a:p>
+            <a:r>
+              <a:rPr lang="en-US" sz="1200" b="1" dirty="0"/>
+              <a:t>pytorch</a:t>
+            </a:r>
+          </a:p>
+        </p:txBody>
+      </p:sp>
+      <p:pic>
+        <p:nvPicPr>
+          <p:cNvPr id="31" name="Picture 30">
+            <a:extLst>
+              <a:ext uri="{FF2B5EF4-FFF2-40B4-BE49-F238E27FC236}">
+                <a16:creationId xmlns:a16="http://schemas.microsoft.com/office/drawing/2014/main" id="{0B5164D6-A94A-9E4E-87B7-F451A56A087D}"/>
+              </a:ext>
+            </a:extLst>
+          </p:cNvPr>
+          <p:cNvPicPr>
+            <a:picLocks noChangeAspect="1"/>
+          </p:cNvPicPr>
+          <p:nvPr/>
+        </p:nvPicPr>
+        <p:blipFill>
+          <a:blip r:embed="rId14"/>
+          <a:stretch>
+            <a:fillRect/>
+          </a:stretch>
+        </p:blipFill>
+        <p:spPr>
+          <a:xfrm>
+            <a:off x="3224976" y="1742819"/>
+            <a:ext cx="695618" cy="450760"/>
+          </a:xfrm>
+          <a:prstGeom prst="rect">
+            <a:avLst/>
+          </a:prstGeom>
+        </p:spPr>
+      </p:pic>
+      <p:sp>
+        <p:nvSpPr>
+          <p:cNvPr id="32" name="TextBox 31">
+            <a:extLst>
+              <a:ext uri="{FF2B5EF4-FFF2-40B4-BE49-F238E27FC236}">
+                <a16:creationId xmlns:a16="http://schemas.microsoft.com/office/drawing/2014/main" id="{3544C85F-F5B3-0A43-AA8B-2D9AD735B3E1}"/>
+              </a:ext>
+            </a:extLst>
+          </p:cNvPr>
+          <p:cNvSpPr txBox="1"/>
+          <p:nvPr/>
+        </p:nvSpPr>
+        <p:spPr>
+          <a:xfrm>
+            <a:off x="2046264" y="1768904"/>
+            <a:ext cx="951094" cy="276999"/>
+          </a:xfrm>
+          <a:prstGeom prst="rect">
+            <a:avLst/>
+          </a:prstGeom>
+          <a:noFill/>
+        </p:spPr>
+        <p:txBody>
+          <a:bodyPr wrap="none" rtlCol="0">
+            <a:spAutoFit/>
+          </a:bodyPr>
+          <a:lstStyle/>
+          <a:p>
+            <a:r>
+              <a:rPr lang="en-US" sz="1200" b="1" dirty="0"/>
+              <a:t>statsmodels</a:t>
             </a:r>
           </a:p>
         </p:txBody>

--- a/materials/draft.pptx
+++ b/materials/draft.pptx
@@ -5990,12 +5990,42 @@
           <a:chExt cx="0" cy="0"/>
         </a:xfrm>
       </p:grpSpPr>
-      <p:sp>
-        <p:nvSpPr>
-          <p:cNvPr id="23" name="Rectangle 22">
-            <a:extLst>
-              <a:ext uri="{FF2B5EF4-FFF2-40B4-BE49-F238E27FC236}">
-                <a16:creationId xmlns:a16="http://schemas.microsoft.com/office/drawing/2014/main" id="{0959F59E-86AC-4677-BFB0-9CD55AB10761}"/>
+      <p:pic>
+        <p:nvPicPr>
+          <p:cNvPr id="2" name="Picture 1" descr="A screenshot of a cell phone&#10;&#10;Description automatically generated">
+            <a:extLst>
+              <a:ext uri="{FF2B5EF4-FFF2-40B4-BE49-F238E27FC236}">
+                <a16:creationId xmlns:a16="http://schemas.microsoft.com/office/drawing/2014/main" id="{8B8675B4-8518-A34E-8339-92017719A907}"/>
+              </a:ext>
+            </a:extLst>
+          </p:cNvPr>
+          <p:cNvPicPr>
+            <a:picLocks noChangeAspect="1"/>
+          </p:cNvPicPr>
+          <p:nvPr/>
+        </p:nvPicPr>
+        <p:blipFill>
+          <a:blip r:embed="rId2"/>
+          <a:stretch>
+            <a:fillRect/>
+          </a:stretch>
+        </p:blipFill>
+        <p:spPr>
+          <a:xfrm>
+            <a:off x="457202" y="783935"/>
+            <a:ext cx="5426764" cy="1980768"/>
+          </a:xfrm>
+          <a:prstGeom prst="rect">
+            <a:avLst/>
+          </a:prstGeom>
+        </p:spPr>
+      </p:pic>
+      <p:sp>
+        <p:nvSpPr>
+          <p:cNvPr id="36" name="Rectangle 35">
+            <a:extLst>
+              <a:ext uri="{FF2B5EF4-FFF2-40B4-BE49-F238E27FC236}">
+                <a16:creationId xmlns:a16="http://schemas.microsoft.com/office/drawing/2014/main" id="{417CDA24-35F8-4540-8C52-3096D6D94949}"/>
               </a:ext>
               <a:ext uri="{C183D7F6-B498-43B3-948B-1728B52AA6E4}">
                 <adec:decorative xmlns:adec="http://schemas.microsoft.com/office/drawing/2017/decorative" val="1"/>
@@ -6015,16 +6045,16 @@
         </p:nvSpPr>
         <p:spPr>
           <a:xfrm>
-            <a:off x="0" y="0"/>
-            <a:ext cx="12192000" cy="6858000"/>
+            <a:off x="6050280" y="0"/>
+            <a:ext cx="91440" cy="6858000"/>
           </a:xfrm>
           <a:prstGeom prst="rect">
             <a:avLst/>
           </a:prstGeom>
           <a:solidFill>
-            <a:schemeClr val="bg1">
-              <a:lumMod val="85000"/>
-              <a:alpha val="90000"/>
+            <a:schemeClr val="tx1">
+              <a:lumMod val="75000"/>
+              <a:lumOff val="25000"/>
             </a:schemeClr>
           </a:solidFill>
           <a:ln>
@@ -6056,12 +6086,48 @@
           </a:p>
         </p:txBody>
       </p:sp>
-      <p:sp>
-        <p:nvSpPr>
-          <p:cNvPr id="25" name="Rectangle 24">
-            <a:extLst>
-              <a:ext uri="{FF2B5EF4-FFF2-40B4-BE49-F238E27FC236}">
-                <a16:creationId xmlns:a16="http://schemas.microsoft.com/office/drawing/2014/main" id="{997ED08E-7CE7-4539-8E16-6A356378B3D3}"/>
+      <p:pic>
+        <p:nvPicPr>
+          <p:cNvPr id="3" name="Picture 2" descr="A screenshot of a cell phone&#10;&#10;Description automatically generated">
+            <a:extLst>
+              <a:ext uri="{FF2B5EF4-FFF2-40B4-BE49-F238E27FC236}">
+                <a16:creationId xmlns:a16="http://schemas.microsoft.com/office/drawing/2014/main" id="{4E66AAD6-17C7-B04D-99FF-08D9BAB6828C}"/>
+              </a:ext>
+            </a:extLst>
+          </p:cNvPr>
+          <p:cNvPicPr>
+            <a:picLocks noChangeAspect="1"/>
+          </p:cNvPicPr>
+          <p:nvPr/>
+        </p:nvPicPr>
+        <p:blipFill>
+          <a:blip r:embed="rId3">
+            <a:extLst>
+              <a:ext uri="{28A0092B-C50C-407E-A947-70E740481C1C}">
+                <a14:useLocalDpi xmlns:a14="http://schemas.microsoft.com/office/drawing/2010/main" val="0"/>
+              </a:ext>
+            </a:extLst>
+          </a:blip>
+          <a:stretch>
+            <a:fillRect/>
+          </a:stretch>
+        </p:blipFill>
+        <p:spPr>
+          <a:xfrm>
+            <a:off x="7140195" y="321734"/>
+            <a:ext cx="3448273" cy="2905170"/>
+          </a:xfrm>
+          <a:prstGeom prst="rect">
+            <a:avLst/>
+          </a:prstGeom>
+        </p:spPr>
+      </p:pic>
+      <p:sp>
+        <p:nvSpPr>
+          <p:cNvPr id="38" name="Rectangle 37">
+            <a:extLst>
+              <a:ext uri="{FF2B5EF4-FFF2-40B4-BE49-F238E27FC236}">
+                <a16:creationId xmlns:a16="http://schemas.microsoft.com/office/drawing/2014/main" id="{8658BFE0-4E65-4174-9C75-687C94E88273}"/>
               </a:ext>
               <a:ext uri="{C183D7F6-B498-43B3-948B-1728B52AA6E4}">
                 <adec:decorative xmlns:adec="http://schemas.microsoft.com/office/drawing/2017/decorative" val="1"/>
@@ -6081,23 +6147,20 @@
         </p:nvSpPr>
         <p:spPr>
           <a:xfrm>
-            <a:off x="477012" y="487090"/>
-            <a:ext cx="7324526" cy="5897880"/>
+            <a:off x="0" y="3383280"/>
+            <a:ext cx="6126480" cy="91440"/>
           </a:xfrm>
           <a:prstGeom prst="rect">
             <a:avLst/>
           </a:prstGeom>
           <a:solidFill>
-            <a:srgbClr val="FFFFFF"/>
+            <a:schemeClr val="tx1">
+              <a:lumMod val="75000"/>
+              <a:lumOff val="25000"/>
+            </a:schemeClr>
           </a:solidFill>
-          <a:ln w="19050">
-            <a:solidFill>
-              <a:schemeClr val="tx1">
-                <a:lumMod val="50000"/>
-                <a:lumOff val="50000"/>
-                <a:alpha val="80000"/>
-              </a:schemeClr>
-            </a:solidFill>
+          <a:ln>
+            <a:noFill/>
           </a:ln>
         </p:spPr>
         <p:style>
@@ -6125,48 +6188,12 @@
           </a:p>
         </p:txBody>
       </p:sp>
-      <p:pic>
-        <p:nvPicPr>
-          <p:cNvPr id="3" name="Picture 2" descr="A screenshot of a cell phone&#10;&#10;Description automatically generated">
-            <a:extLst>
-              <a:ext uri="{FF2B5EF4-FFF2-40B4-BE49-F238E27FC236}">
-                <a16:creationId xmlns:a16="http://schemas.microsoft.com/office/drawing/2014/main" id="{4E66AAD6-17C7-B04D-99FF-08D9BAB6828C}"/>
-              </a:ext>
-            </a:extLst>
-          </p:cNvPr>
-          <p:cNvPicPr>
-            <a:picLocks noChangeAspect="1"/>
-          </p:cNvPicPr>
-          <p:nvPr/>
-        </p:nvPicPr>
-        <p:blipFill>
-          <a:blip r:embed="rId2">
-            <a:extLst>
-              <a:ext uri="{28A0092B-C50C-407E-A947-70E740481C1C}">
-                <a14:useLocalDpi xmlns:a14="http://schemas.microsoft.com/office/drawing/2010/main" val="0"/>
-              </a:ext>
-            </a:extLst>
-          </a:blip>
-          <a:stretch>
-            <a:fillRect/>
-          </a:stretch>
-        </p:blipFill>
-        <p:spPr>
-          <a:xfrm>
-            <a:off x="834654" y="650497"/>
-            <a:ext cx="6612541" cy="5571066"/>
-          </a:xfrm>
-          <a:prstGeom prst="rect">
-            <a:avLst/>
-          </a:prstGeom>
-        </p:spPr>
-      </p:pic>
-      <p:sp>
-        <p:nvSpPr>
-          <p:cNvPr id="27" name="Rectangle 26">
-            <a:extLst>
-              <a:ext uri="{FF2B5EF4-FFF2-40B4-BE49-F238E27FC236}">
-                <a16:creationId xmlns:a16="http://schemas.microsoft.com/office/drawing/2014/main" id="{39F96DC1-4B54-4B36-B945-425E4C04AFBD}"/>
+      <p:sp>
+        <p:nvSpPr>
+          <p:cNvPr id="40" name="Rectangle 39">
+            <a:extLst>
+              <a:ext uri="{FF2B5EF4-FFF2-40B4-BE49-F238E27FC236}">
+                <a16:creationId xmlns:a16="http://schemas.microsoft.com/office/drawing/2014/main" id="{FA75DFED-A0C1-4A83-BE1D-0271C1826EF6}"/>
               </a:ext>
               <a:ext uri="{C183D7F6-B498-43B3-948B-1728B52AA6E4}">
                 <adec:decorative xmlns:adec="http://schemas.microsoft.com/office/drawing/2017/decorative" val="1"/>
@@ -6186,23 +6213,20 @@
         </p:nvSpPr>
         <p:spPr>
           <a:xfrm>
-            <a:off x="7969003" y="487090"/>
-            <a:ext cx="3745983" cy="1856232"/>
+            <a:off x="6065520" y="3383280"/>
+            <a:ext cx="6126480" cy="91440"/>
           </a:xfrm>
           <a:prstGeom prst="rect">
             <a:avLst/>
           </a:prstGeom>
           <a:solidFill>
-            <a:srgbClr val="FFFFFF"/>
+            <a:schemeClr val="tx1">
+              <a:lumMod val="75000"/>
+              <a:lumOff val="25000"/>
+            </a:schemeClr>
           </a:solidFill>
-          <a:ln w="19050">
-            <a:solidFill>
-              <a:schemeClr val="tx1">
-                <a:lumMod val="50000"/>
-                <a:lumOff val="50000"/>
-                <a:alpha val="80000"/>
-              </a:schemeClr>
-            </a:solidFill>
+          <a:ln>
+            <a:noFill/>
           </a:ln>
         </p:spPr>
         <p:style>
@@ -6232,115 +6256,10 @@
       </p:sp>
       <p:pic>
         <p:nvPicPr>
-          <p:cNvPr id="5" name="Picture 4">
-            <a:extLst>
-              <a:ext uri="{FF2B5EF4-FFF2-40B4-BE49-F238E27FC236}">
-                <a16:creationId xmlns:a16="http://schemas.microsoft.com/office/drawing/2014/main" id="{E777B17C-4814-6C44-A69B-26F11C612976}"/>
-              </a:ext>
-            </a:extLst>
-          </p:cNvPr>
-          <p:cNvPicPr>
-            <a:picLocks noChangeAspect="1"/>
-          </p:cNvPicPr>
-          <p:nvPr/>
-        </p:nvPicPr>
-        <p:blipFill>
-          <a:blip r:embed="rId3">
-            <a:extLst>
-              <a:ext uri="{28A0092B-C50C-407E-A947-70E740481C1C}">
-                <a14:useLocalDpi xmlns:a14="http://schemas.microsoft.com/office/drawing/2010/main" val="0"/>
-              </a:ext>
-            </a:extLst>
-          </a:blip>
-          <a:stretch>
-            <a:fillRect/>
-          </a:stretch>
-        </p:blipFill>
-        <p:spPr>
-          <a:xfrm>
-            <a:off x="8129872" y="719343"/>
-            <a:ext cx="3420946" cy="1380381"/>
-          </a:xfrm>
-          <a:prstGeom prst="rect">
-            <a:avLst/>
-          </a:prstGeom>
-        </p:spPr>
-      </p:pic>
-      <p:sp>
-        <p:nvSpPr>
-          <p:cNvPr id="29" name="Rectangle 28">
-            <a:extLst>
-              <a:ext uri="{FF2B5EF4-FFF2-40B4-BE49-F238E27FC236}">
-                <a16:creationId xmlns:a16="http://schemas.microsoft.com/office/drawing/2014/main" id="{A4F450A1-0760-4C39-82E4-515AA4FC9473}"/>
-              </a:ext>
-              <a:ext uri="{C183D7F6-B498-43B3-948B-1728B52AA6E4}">
-                <adec:decorative xmlns:adec="http://schemas.microsoft.com/office/drawing/2017/decorative" val="1"/>
-              </a:ext>
-            </a:extLst>
-          </p:cNvPr>
-          <p:cNvSpPr>
-            <a:spLocks noGrp="1" noRot="1" noChangeAspect="1" noMove="1" noResize="1" noEditPoints="1" noAdjustHandles="1" noChangeArrowheads="1" noChangeShapeType="1" noTextEdit="1"/>
-          </p:cNvSpPr>
-          <p:nvPr>
-            <p:extLst>
-              <p:ext uri="{386F3935-93C4-4BCD-93E2-E3B085C9AB24}">
-                <p16:designElem xmlns:p16="http://schemas.microsoft.com/office/powerpoint/2015/main" val="1"/>
-              </p:ext>
-            </p:extLst>
-          </p:nvPr>
-        </p:nvSpPr>
-        <p:spPr>
-          <a:xfrm>
-            <a:off x="7969003" y="2511639"/>
-            <a:ext cx="3745983" cy="1856232"/>
-          </a:xfrm>
-          <a:prstGeom prst="rect">
-            <a:avLst/>
-          </a:prstGeom>
-          <a:solidFill>
-            <a:srgbClr val="FFFFFF"/>
-          </a:solidFill>
-          <a:ln w="19050">
-            <a:solidFill>
-              <a:schemeClr val="tx1">
-                <a:lumMod val="50000"/>
-                <a:lumOff val="50000"/>
-                <a:alpha val="80000"/>
-              </a:schemeClr>
-            </a:solidFill>
-          </a:ln>
-        </p:spPr>
-        <p:style>
-          <a:lnRef idx="2">
-            <a:schemeClr val="accent1">
-              <a:shade val="50000"/>
-            </a:schemeClr>
-          </a:lnRef>
-          <a:fillRef idx="1">
-            <a:schemeClr val="accent1"/>
-          </a:fillRef>
-          <a:effectRef idx="0">
-            <a:schemeClr val="accent1"/>
-          </a:effectRef>
-          <a:fontRef idx="minor">
-            <a:schemeClr val="lt1"/>
-          </a:fontRef>
-        </p:style>
-        <p:txBody>
-          <a:bodyPr rtlCol="0" anchor="ctr"/>
-          <a:lstStyle/>
-          <a:p>
-            <a:pPr algn="ctr"/>
-            <a:endParaRPr lang="en-US"/>
-          </a:p>
-        </p:txBody>
-      </p:sp>
-      <p:pic>
-        <p:nvPicPr>
-          <p:cNvPr id="2" name="Picture 1">
-            <a:extLst>
-              <a:ext uri="{FF2B5EF4-FFF2-40B4-BE49-F238E27FC236}">
-                <a16:creationId xmlns:a16="http://schemas.microsoft.com/office/drawing/2014/main" id="{8B8675B4-8518-A34E-8339-92017719A907}"/>
+          <p:cNvPr id="7" name="Picture 6" descr="A screenshot of a cell phone&#10;&#10;Description automatically generated">
+            <a:extLst>
+              <a:ext uri="{FF2B5EF4-FFF2-40B4-BE49-F238E27FC236}">
+                <a16:creationId xmlns:a16="http://schemas.microsoft.com/office/drawing/2014/main" id="{5996B32F-EEEB-C646-BEFC-8489E3634DB6}"/>
               </a:ext>
             </a:extLst>
           </p:cNvPr>
@@ -6357,89 +6276,20 @@
         </p:blipFill>
         <p:spPr>
           <a:xfrm>
-            <a:off x="8129872" y="2814250"/>
-            <a:ext cx="3420946" cy="1248645"/>
+            <a:off x="457201" y="4068476"/>
+            <a:ext cx="5426764" cy="1885800"/>
           </a:xfrm>
           <a:prstGeom prst="rect">
             <a:avLst/>
           </a:prstGeom>
         </p:spPr>
       </p:pic>
-      <p:sp>
-        <p:nvSpPr>
-          <p:cNvPr id="31" name="Rectangle 30">
-            <a:extLst>
-              <a:ext uri="{FF2B5EF4-FFF2-40B4-BE49-F238E27FC236}">
-                <a16:creationId xmlns:a16="http://schemas.microsoft.com/office/drawing/2014/main" id="{0185CD32-2E94-4663-81AE-CC54E44AC2FC}"/>
-              </a:ext>
-              <a:ext uri="{C183D7F6-B498-43B3-948B-1728B52AA6E4}">
-                <adec:decorative xmlns:adec="http://schemas.microsoft.com/office/drawing/2017/decorative" val="1"/>
-              </a:ext>
-            </a:extLst>
-          </p:cNvPr>
-          <p:cNvSpPr>
-            <a:spLocks noGrp="1" noRot="1" noChangeAspect="1" noMove="1" noResize="1" noEditPoints="1" noAdjustHandles="1" noChangeArrowheads="1" noChangeShapeType="1" noTextEdit="1"/>
-          </p:cNvSpPr>
-          <p:nvPr>
-            <p:extLst>
-              <p:ext uri="{386F3935-93C4-4BCD-93E2-E3B085C9AB24}">
-                <p16:designElem xmlns:p16="http://schemas.microsoft.com/office/powerpoint/2015/main" val="1"/>
-              </p:ext>
-            </p:extLst>
-          </p:nvPr>
-        </p:nvSpPr>
-        <p:spPr>
-          <a:xfrm>
-            <a:off x="7969003" y="4528738"/>
-            <a:ext cx="3745983" cy="1856232"/>
-          </a:xfrm>
-          <a:prstGeom prst="rect">
-            <a:avLst/>
-          </a:prstGeom>
-          <a:solidFill>
-            <a:srgbClr val="FFFFFF"/>
-          </a:solidFill>
-          <a:ln w="19050">
-            <a:solidFill>
-              <a:schemeClr val="tx1">
-                <a:lumMod val="50000"/>
-                <a:lumOff val="50000"/>
-                <a:alpha val="80000"/>
-              </a:schemeClr>
-            </a:solidFill>
-          </a:ln>
-        </p:spPr>
-        <p:style>
-          <a:lnRef idx="2">
-            <a:schemeClr val="accent1">
-              <a:shade val="50000"/>
-            </a:schemeClr>
-          </a:lnRef>
-          <a:fillRef idx="1">
-            <a:schemeClr val="accent1"/>
-          </a:fillRef>
-          <a:effectRef idx="0">
-            <a:schemeClr val="accent1"/>
-          </a:effectRef>
-          <a:fontRef idx="minor">
-            <a:schemeClr val="lt1"/>
-          </a:fontRef>
-        </p:style>
-        <p:txBody>
-          <a:bodyPr rtlCol="0" anchor="ctr"/>
-          <a:lstStyle/>
-          <a:p>
-            <a:pPr algn="ctr"/>
-            <a:endParaRPr lang="en-US"/>
-          </a:p>
-        </p:txBody>
-      </p:sp>
       <p:pic>
         <p:nvPicPr>
-          <p:cNvPr id="7" name="Picture 6" descr="A screenshot of a cell phone&#10;&#10;Description automatically generated">
-            <a:extLst>
-              <a:ext uri="{FF2B5EF4-FFF2-40B4-BE49-F238E27FC236}">
-                <a16:creationId xmlns:a16="http://schemas.microsoft.com/office/drawing/2014/main" id="{5996B32F-EEEB-C646-BEFC-8489E3634DB6}"/>
+          <p:cNvPr id="5" name="Picture 4">
+            <a:extLst>
+              <a:ext uri="{FF2B5EF4-FFF2-40B4-BE49-F238E27FC236}">
+                <a16:creationId xmlns:a16="http://schemas.microsoft.com/office/drawing/2014/main" id="{E777B17C-4814-6C44-A69B-26F11C612976}"/>
               </a:ext>
             </a:extLst>
           </p:cNvPr>
@@ -6449,15 +6299,21 @@
           <p:nvPr/>
         </p:nvPicPr>
         <p:blipFill>
-          <a:blip r:embed="rId5"/>
+          <a:blip r:embed="rId5">
+            <a:extLst>
+              <a:ext uri="{28A0092B-C50C-407E-A947-70E740481C1C}">
+                <a14:useLocalDpi xmlns:a14="http://schemas.microsoft.com/office/drawing/2010/main" val="0"/>
+              </a:ext>
+            </a:extLst>
+          </a:blip>
           <a:stretch>
             <a:fillRect/>
           </a:stretch>
         </p:blipFill>
         <p:spPr>
           <a:xfrm>
-            <a:off x="8129872" y="4861107"/>
-            <a:ext cx="3420946" cy="1188778"/>
+            <a:off x="6308034" y="3979888"/>
+            <a:ext cx="5112595" cy="2062976"/>
           </a:xfrm>
           <a:prstGeom prst="rect">
             <a:avLst/>

--- a/materials/draft.pptx
+++ b/materials/draft.pptx
@@ -5,15 +5,14 @@
     <p:sldMasterId id="2147483648" r:id="rId1"/>
   </p:sldMasterIdLst>
   <p:sldIdLst>
-    <p:sldId id="256" r:id="rId2"/>
-    <p:sldId id="258" r:id="rId3"/>
-    <p:sldId id="266" r:id="rId4"/>
-    <p:sldId id="259" r:id="rId5"/>
-    <p:sldId id="260" r:id="rId6"/>
-    <p:sldId id="264" r:id="rId7"/>
-    <p:sldId id="265" r:id="rId8"/>
-    <p:sldId id="267" r:id="rId9"/>
-    <p:sldId id="268" r:id="rId10"/>
+    <p:sldId id="258" r:id="rId2"/>
+    <p:sldId id="266" r:id="rId3"/>
+    <p:sldId id="259" r:id="rId4"/>
+    <p:sldId id="260" r:id="rId5"/>
+    <p:sldId id="264" r:id="rId6"/>
+    <p:sldId id="265" r:id="rId7"/>
+    <p:sldId id="267" r:id="rId8"/>
+    <p:sldId id="268" r:id="rId9"/>
   </p:sldIdLst>
   <p:sldSz cx="12192000" cy="6858000"/>
   <p:notesSz cx="6858000" cy="9144000"/>
@@ -267,7 +266,7 @@
           <a:p>
             <a:fld id="{CCF39288-C9BE-411C-8287-FC5D6539A5FE}" type="datetimeFigureOut">
               <a:rPr lang="en-US" smtClean="0"/>
-              <a:t>2/28/19</a:t>
+              <a:t>3/1/19</a:t>
             </a:fld>
             <a:endParaRPr lang="en-US"/>
           </a:p>
@@ -465,7 +464,7 @@
           <a:p>
             <a:fld id="{CCF39288-C9BE-411C-8287-FC5D6539A5FE}" type="datetimeFigureOut">
               <a:rPr lang="en-US" smtClean="0"/>
-              <a:t>2/28/19</a:t>
+              <a:t>3/1/19</a:t>
             </a:fld>
             <a:endParaRPr lang="en-US"/>
           </a:p>
@@ -673,7 +672,7 @@
           <a:p>
             <a:fld id="{CCF39288-C9BE-411C-8287-FC5D6539A5FE}" type="datetimeFigureOut">
               <a:rPr lang="en-US" smtClean="0"/>
-              <a:t>2/28/19</a:t>
+              <a:t>3/1/19</a:t>
             </a:fld>
             <a:endParaRPr lang="en-US"/>
           </a:p>
@@ -871,7 +870,7 @@
           <a:p>
             <a:fld id="{CCF39288-C9BE-411C-8287-FC5D6539A5FE}" type="datetimeFigureOut">
               <a:rPr lang="en-US" smtClean="0"/>
-              <a:t>2/28/19</a:t>
+              <a:t>3/1/19</a:t>
             </a:fld>
             <a:endParaRPr lang="en-US"/>
           </a:p>
@@ -1146,7 +1145,7 @@
           <a:p>
             <a:fld id="{CCF39288-C9BE-411C-8287-FC5D6539A5FE}" type="datetimeFigureOut">
               <a:rPr lang="en-US" smtClean="0"/>
-              <a:t>2/28/19</a:t>
+              <a:t>3/1/19</a:t>
             </a:fld>
             <a:endParaRPr lang="en-US"/>
           </a:p>
@@ -1411,7 +1410,7 @@
           <a:p>
             <a:fld id="{CCF39288-C9BE-411C-8287-FC5D6539A5FE}" type="datetimeFigureOut">
               <a:rPr lang="en-US" smtClean="0"/>
-              <a:t>2/28/19</a:t>
+              <a:t>3/1/19</a:t>
             </a:fld>
             <a:endParaRPr lang="en-US"/>
           </a:p>
@@ -1823,7 +1822,7 @@
           <a:p>
             <a:fld id="{CCF39288-C9BE-411C-8287-FC5D6539A5FE}" type="datetimeFigureOut">
               <a:rPr lang="en-US" smtClean="0"/>
-              <a:t>2/28/19</a:t>
+              <a:t>3/1/19</a:t>
             </a:fld>
             <a:endParaRPr lang="en-US"/>
           </a:p>
@@ -1964,7 +1963,7 @@
           <a:p>
             <a:fld id="{CCF39288-C9BE-411C-8287-FC5D6539A5FE}" type="datetimeFigureOut">
               <a:rPr lang="en-US" smtClean="0"/>
-              <a:t>2/28/19</a:t>
+              <a:t>3/1/19</a:t>
             </a:fld>
             <a:endParaRPr lang="en-US"/>
           </a:p>
@@ -2077,7 +2076,7 @@
           <a:p>
             <a:fld id="{CCF39288-C9BE-411C-8287-FC5D6539A5FE}" type="datetimeFigureOut">
               <a:rPr lang="en-US" smtClean="0"/>
-              <a:t>2/28/19</a:t>
+              <a:t>3/1/19</a:t>
             </a:fld>
             <a:endParaRPr lang="en-US"/>
           </a:p>
@@ -2388,7 +2387,7 @@
           <a:p>
             <a:fld id="{CCF39288-C9BE-411C-8287-FC5D6539A5FE}" type="datetimeFigureOut">
               <a:rPr lang="en-US" smtClean="0"/>
-              <a:t>2/28/19</a:t>
+              <a:t>3/1/19</a:t>
             </a:fld>
             <a:endParaRPr lang="en-US"/>
           </a:p>
@@ -2676,7 +2675,7 @@
           <a:p>
             <a:fld id="{CCF39288-C9BE-411C-8287-FC5D6539A5FE}" type="datetimeFigureOut">
               <a:rPr lang="en-US" smtClean="0"/>
-              <a:t>2/28/19</a:t>
+              <a:t>3/1/19</a:t>
             </a:fld>
             <a:endParaRPr lang="en-US"/>
           </a:p>
@@ -2917,7 +2916,7 @@
           <a:p>
             <a:fld id="{CCF39288-C9BE-411C-8287-FC5D6539A5FE}" type="datetimeFigureOut">
               <a:rPr lang="en-US" smtClean="0"/>
-              <a:t>2/28/19</a:t>
+              <a:t>3/1/19</a:t>
             </a:fld>
             <a:endParaRPr lang="en-US"/>
           </a:p>
@@ -3334,98 +3333,6 @@
           <a:chExt cx="0" cy="0"/>
         </a:xfrm>
       </p:grpSpPr>
-      <p:sp>
-        <p:nvSpPr>
-          <p:cNvPr id="2" name="Title 1">
-            <a:extLst>
-              <a:ext uri="{FF2B5EF4-FFF2-40B4-BE49-F238E27FC236}">
-                <a16:creationId xmlns:a16="http://schemas.microsoft.com/office/drawing/2014/main" id="{2E59E3F0-900F-4180-8C97-8ED6C99F1E73}"/>
-              </a:ext>
-            </a:extLst>
-          </p:cNvPr>
-          <p:cNvSpPr>
-            <a:spLocks noGrp="1"/>
-          </p:cNvSpPr>
-          <p:nvPr>
-            <p:ph type="ctrTitle"/>
-          </p:nvPr>
-        </p:nvSpPr>
-        <p:spPr/>
-        <p:txBody>
-          <a:bodyPr/>
-          <a:lstStyle/>
-          <a:p>
-            <a:r>
-              <a:rPr lang="en-US" dirty="0"/>
-              <a:t>Introduction to Python</a:t>
-            </a:r>
-          </a:p>
-        </p:txBody>
-      </p:sp>
-      <p:sp>
-        <p:nvSpPr>
-          <p:cNvPr id="3" name="Subtitle 2">
-            <a:extLst>
-              <a:ext uri="{FF2B5EF4-FFF2-40B4-BE49-F238E27FC236}">
-                <a16:creationId xmlns:a16="http://schemas.microsoft.com/office/drawing/2014/main" id="{2BE4E9F8-73B9-4504-B40A-FF522829AF2A}"/>
-              </a:ext>
-            </a:extLst>
-          </p:cNvPr>
-          <p:cNvSpPr>
-            <a:spLocks noGrp="1"/>
-          </p:cNvSpPr>
-          <p:nvPr>
-            <p:ph type="subTitle" idx="1"/>
-          </p:nvPr>
-        </p:nvSpPr>
-        <p:spPr/>
-        <p:txBody>
-          <a:bodyPr/>
-          <a:lstStyle/>
-          <a:p>
-            <a:r>
-              <a:rPr lang="en-US" dirty="0"/>
-              <a:t>Xiangshi Yin</a:t>
-            </a:r>
-          </a:p>
-          <a:p>
-            <a:r>
-              <a:rPr lang="en-US" dirty="0"/>
-              <a:t>01/24/2018</a:t>
-            </a:r>
-          </a:p>
-        </p:txBody>
-      </p:sp>
-    </p:spTree>
-    <p:extLst>
-      <p:ext uri="{BB962C8B-B14F-4D97-AF65-F5344CB8AC3E}">
-        <p14:creationId xmlns:p14="http://schemas.microsoft.com/office/powerpoint/2010/main" val="2740875981"/>
-      </p:ext>
-    </p:extLst>
-  </p:cSld>
-  <p:clrMapOvr>
-    <a:masterClrMapping/>
-  </p:clrMapOvr>
-</p:sld>
-</file>
-
-<file path=ppt/slides/slide2.xml><?xml version="1.0" encoding="utf-8"?>
-<p:sld xmlns:a="http://schemas.openxmlformats.org/drawingml/2006/main" xmlns:r="http://schemas.openxmlformats.org/officeDocument/2006/relationships" xmlns:p="http://schemas.openxmlformats.org/presentationml/2006/main">
-  <p:cSld>
-    <p:spTree>
-      <p:nvGrpSpPr>
-        <p:cNvPr id="1" name=""/>
-        <p:cNvGrpSpPr/>
-        <p:nvPr/>
-      </p:nvGrpSpPr>
-      <p:grpSpPr>
-        <a:xfrm>
-          <a:off x="0" y="0"/>
-          <a:ext cx="0" cy="0"/>
-          <a:chOff x="0" y="0"/>
-          <a:chExt cx="0" cy="0"/>
-        </a:xfrm>
-      </p:grpSpPr>
       <p:grpSp>
         <p:nvGrpSpPr>
           <p:cNvPr id="6" name="Group 5">
@@ -3836,7 +3743,7 @@
 </p:sld>
 </file>
 
-<file path=ppt/slides/slide3.xml><?xml version="1.0" encoding="utf-8"?>
+<file path=ppt/slides/slide2.xml><?xml version="1.0" encoding="utf-8"?>
 <p:sld xmlns:a="http://schemas.openxmlformats.org/drawingml/2006/main" xmlns:r="http://schemas.openxmlformats.org/officeDocument/2006/relationships" xmlns:p="http://schemas.openxmlformats.org/presentationml/2006/main">
   <p:cSld>
     <p:spTree>
@@ -4097,6 +4004,214 @@
 </p:sld>
 </file>
 
+<file path=ppt/slides/slide3.xml><?xml version="1.0" encoding="utf-8"?>
+<p:sld xmlns:a="http://schemas.openxmlformats.org/drawingml/2006/main" xmlns:r="http://schemas.openxmlformats.org/officeDocument/2006/relationships" xmlns:p="http://schemas.openxmlformats.org/presentationml/2006/main">
+  <p:cSld>
+    <p:spTree>
+      <p:nvGrpSpPr>
+        <p:cNvPr id="1" name=""/>
+        <p:cNvGrpSpPr/>
+        <p:nvPr/>
+      </p:nvGrpSpPr>
+      <p:grpSpPr>
+        <a:xfrm>
+          <a:off x="0" y="0"/>
+          <a:ext cx="0" cy="0"/>
+          <a:chOff x="0" y="0"/>
+          <a:chExt cx="0" cy="0"/>
+        </a:xfrm>
+      </p:grpSpPr>
+      <p:sp>
+        <p:nvSpPr>
+          <p:cNvPr id="4" name="TextBox 3">
+            <a:extLst>
+              <a:ext uri="{FF2B5EF4-FFF2-40B4-BE49-F238E27FC236}">
+                <a16:creationId xmlns:a16="http://schemas.microsoft.com/office/drawing/2014/main" id="{F2544370-A691-49FA-9A8D-01DD0FD96DA1}"/>
+              </a:ext>
+            </a:extLst>
+          </p:cNvPr>
+          <p:cNvSpPr txBox="1"/>
+          <p:nvPr/>
+        </p:nvSpPr>
+        <p:spPr>
+          <a:xfrm>
+            <a:off x="483027" y="192701"/>
+            <a:ext cx="2208490" cy="369332"/>
+          </a:xfrm>
+          <a:prstGeom prst="rect">
+            <a:avLst/>
+          </a:prstGeom>
+          <a:noFill/>
+          <a:ln>
+            <a:solidFill>
+              <a:schemeClr val="tx1"/>
+            </a:solidFill>
+          </a:ln>
+        </p:spPr>
+        <p:txBody>
+          <a:bodyPr wrap="none" rtlCol="0">
+            <a:spAutoFit/>
+          </a:bodyPr>
+          <a:lstStyle/>
+          <a:p>
+            <a:r>
+              <a:rPr lang="en-US" b="1" dirty="0"/>
+              <a:t>Python2 or Python3?</a:t>
+            </a:r>
+          </a:p>
+        </p:txBody>
+      </p:sp>
+      <p:sp>
+        <p:nvSpPr>
+          <p:cNvPr id="5" name="TextBox 4">
+            <a:extLst>
+              <a:ext uri="{FF2B5EF4-FFF2-40B4-BE49-F238E27FC236}">
+                <a16:creationId xmlns:a16="http://schemas.microsoft.com/office/drawing/2014/main" id="{A22619BC-BE53-4BCB-910C-DE0744027478}"/>
+              </a:ext>
+            </a:extLst>
+          </p:cNvPr>
+          <p:cNvSpPr txBox="1"/>
+          <p:nvPr/>
+        </p:nvSpPr>
+        <p:spPr>
+          <a:xfrm>
+            <a:off x="483027" y="815042"/>
+            <a:ext cx="11060224" cy="1384995"/>
+          </a:xfrm>
+          <a:prstGeom prst="rect">
+            <a:avLst/>
+          </a:prstGeom>
+          <a:noFill/>
+        </p:spPr>
+        <p:txBody>
+          <a:bodyPr wrap="square" rtlCol="0">
+            <a:spAutoFit/>
+          </a:bodyPr>
+          <a:lstStyle/>
+          <a:p>
+            <a:pPr marL="285750" indent="-285750">
+              <a:buFont typeface="Wingdings" panose="05000000000000000000" pitchFamily="2" charset="2"/>
+              <a:buChar char="§"/>
+            </a:pPr>
+            <a:r>
+              <a:rPr lang="en-US" sz="1400" dirty="0"/>
+              <a:t>Python 2.x is legacy, Python 3.x is the present and future of the language</a:t>
+            </a:r>
+          </a:p>
+          <a:p>
+            <a:pPr marL="285750" indent="-285750">
+              <a:buFont typeface="Wingdings" panose="05000000000000000000" pitchFamily="2" charset="2"/>
+              <a:buChar char="§"/>
+            </a:pPr>
+            <a:r>
+              <a:rPr lang="en-US" sz="1400" dirty="0"/>
+              <a:t>The final 2.x version 2.7 release came out in mid-2010, with a statement of extended support for this end of life release. There is no new major releases after that.</a:t>
+            </a:r>
+          </a:p>
+          <a:p>
+            <a:pPr marL="285750" indent="-285750">
+              <a:buFont typeface="Wingdings" panose="05000000000000000000" pitchFamily="2" charset="2"/>
+              <a:buChar char="§"/>
+            </a:pPr>
+            <a:r>
+              <a:rPr lang="en-US" sz="1400" dirty="0"/>
+              <a:t>Python 3.0 was released in 2008. 3.x is under active development and has already seen multiple stable releases. All recent standard library improvements are only available by default in Python 3.x (</a:t>
+            </a:r>
+            <a:r>
+              <a:rPr lang="en-US" sz="1400" b="1" dirty="0"/>
+              <a:t>latest: 3.6.3 released on 2017-10-03</a:t>
+            </a:r>
+            <a:r>
+              <a:rPr lang="en-US" sz="1400" dirty="0"/>
+              <a:t>). </a:t>
+            </a:r>
+          </a:p>
+          <a:p>
+            <a:pPr marL="285750" indent="-285750">
+              <a:buFont typeface="Wingdings" panose="05000000000000000000" pitchFamily="2" charset="2"/>
+              <a:buChar char="§"/>
+            </a:pPr>
+            <a:r>
+              <a:rPr lang="en-US" sz="1400" dirty="0"/>
+              <a:t>Python 2.7 will not be maintained past 2020, although official date has not been given.</a:t>
+            </a:r>
+          </a:p>
+        </p:txBody>
+      </p:sp>
+      <p:sp>
+        <p:nvSpPr>
+          <p:cNvPr id="6" name="TextBox 5">
+            <a:extLst>
+              <a:ext uri="{FF2B5EF4-FFF2-40B4-BE49-F238E27FC236}">
+                <a16:creationId xmlns:a16="http://schemas.microsoft.com/office/drawing/2014/main" id="{4CD6456D-890E-4F31-89B8-54EF6EFC6F16}"/>
+              </a:ext>
+            </a:extLst>
+          </p:cNvPr>
+          <p:cNvSpPr txBox="1"/>
+          <p:nvPr/>
+        </p:nvSpPr>
+        <p:spPr>
+          <a:xfrm>
+            <a:off x="483027" y="2620074"/>
+            <a:ext cx="11060224" cy="954107"/>
+          </a:xfrm>
+          <a:prstGeom prst="rect">
+            <a:avLst/>
+          </a:prstGeom>
+          <a:noFill/>
+        </p:spPr>
+        <p:txBody>
+          <a:bodyPr wrap="square" rtlCol="0">
+            <a:spAutoFit/>
+          </a:bodyPr>
+          <a:lstStyle/>
+          <a:p>
+            <a:r>
+              <a:rPr lang="en-US" sz="1400" dirty="0"/>
+              <a:t>Differences:</a:t>
+            </a:r>
+          </a:p>
+          <a:p>
+            <a:pPr marL="285750" indent="-285750">
+              <a:buFont typeface="Wingdings" panose="05000000000000000000" pitchFamily="2" charset="2"/>
+              <a:buChar char="§"/>
+            </a:pPr>
+            <a:r>
+              <a:rPr lang="en-US" sz="1400" dirty="0"/>
+              <a:t>Most obvious one: print function</a:t>
+            </a:r>
+          </a:p>
+          <a:p>
+            <a:r>
+              <a:rPr lang="en-US" sz="1400" dirty="0"/>
+              <a:t>	print ‘abc’ vs. print(‘abc’)</a:t>
+            </a:r>
+          </a:p>
+          <a:p>
+            <a:pPr marL="285750" indent="-285750">
+              <a:buFont typeface="Wingdings" panose="05000000000000000000" pitchFamily="2" charset="2"/>
+              <a:buChar char="§"/>
+            </a:pPr>
+            <a:r>
+              <a:rPr lang="en-US" sz="1400" dirty="0"/>
+              <a:t>There are still many packages/libraries only support Python2 …</a:t>
+            </a:r>
+          </a:p>
+        </p:txBody>
+      </p:sp>
+    </p:spTree>
+    <p:extLst>
+      <p:ext uri="{BB962C8B-B14F-4D97-AF65-F5344CB8AC3E}">
+        <p14:creationId xmlns:p14="http://schemas.microsoft.com/office/powerpoint/2010/main" val="4052654869"/>
+      </p:ext>
+    </p:extLst>
+  </p:cSld>
+  <p:clrMapOvr>
+    <a:masterClrMapping/>
+  </p:clrMapOvr>
+</p:sld>
+</file>
+
 <file path=ppt/slides/slide4.xml><?xml version="1.0" encoding="utf-8"?>
 <p:sld xmlns:a="http://schemas.openxmlformats.org/drawingml/2006/main" xmlns:r="http://schemas.openxmlformats.org/officeDocument/2006/relationships" xmlns:p="http://schemas.openxmlformats.org/presentationml/2006/main">
   <p:cSld>
@@ -4116,214 +4231,6 @@
       </p:grpSpPr>
       <p:sp>
         <p:nvSpPr>
-          <p:cNvPr id="4" name="TextBox 3">
-            <a:extLst>
-              <a:ext uri="{FF2B5EF4-FFF2-40B4-BE49-F238E27FC236}">
-                <a16:creationId xmlns:a16="http://schemas.microsoft.com/office/drawing/2014/main" id="{F2544370-A691-49FA-9A8D-01DD0FD96DA1}"/>
-              </a:ext>
-            </a:extLst>
-          </p:cNvPr>
-          <p:cNvSpPr txBox="1"/>
-          <p:nvPr/>
-        </p:nvSpPr>
-        <p:spPr>
-          <a:xfrm>
-            <a:off x="483027" y="192701"/>
-            <a:ext cx="2208490" cy="369332"/>
-          </a:xfrm>
-          <a:prstGeom prst="rect">
-            <a:avLst/>
-          </a:prstGeom>
-          <a:noFill/>
-          <a:ln>
-            <a:solidFill>
-              <a:schemeClr val="tx1"/>
-            </a:solidFill>
-          </a:ln>
-        </p:spPr>
-        <p:txBody>
-          <a:bodyPr wrap="none" rtlCol="0">
-            <a:spAutoFit/>
-          </a:bodyPr>
-          <a:lstStyle/>
-          <a:p>
-            <a:r>
-              <a:rPr lang="en-US" b="1" dirty="0"/>
-              <a:t>Python2 or Python3?</a:t>
-            </a:r>
-          </a:p>
-        </p:txBody>
-      </p:sp>
-      <p:sp>
-        <p:nvSpPr>
-          <p:cNvPr id="5" name="TextBox 4">
-            <a:extLst>
-              <a:ext uri="{FF2B5EF4-FFF2-40B4-BE49-F238E27FC236}">
-                <a16:creationId xmlns:a16="http://schemas.microsoft.com/office/drawing/2014/main" id="{A22619BC-BE53-4BCB-910C-DE0744027478}"/>
-              </a:ext>
-            </a:extLst>
-          </p:cNvPr>
-          <p:cNvSpPr txBox="1"/>
-          <p:nvPr/>
-        </p:nvSpPr>
-        <p:spPr>
-          <a:xfrm>
-            <a:off x="483027" y="815042"/>
-            <a:ext cx="11060224" cy="1384995"/>
-          </a:xfrm>
-          <a:prstGeom prst="rect">
-            <a:avLst/>
-          </a:prstGeom>
-          <a:noFill/>
-        </p:spPr>
-        <p:txBody>
-          <a:bodyPr wrap="square" rtlCol="0">
-            <a:spAutoFit/>
-          </a:bodyPr>
-          <a:lstStyle/>
-          <a:p>
-            <a:pPr marL="285750" indent="-285750">
-              <a:buFont typeface="Wingdings" panose="05000000000000000000" pitchFamily="2" charset="2"/>
-              <a:buChar char="§"/>
-            </a:pPr>
-            <a:r>
-              <a:rPr lang="en-US" sz="1400" dirty="0"/>
-              <a:t>Python 2.x is legacy, Python 3.x is the present and future of the language</a:t>
-            </a:r>
-          </a:p>
-          <a:p>
-            <a:pPr marL="285750" indent="-285750">
-              <a:buFont typeface="Wingdings" panose="05000000000000000000" pitchFamily="2" charset="2"/>
-              <a:buChar char="§"/>
-            </a:pPr>
-            <a:r>
-              <a:rPr lang="en-US" sz="1400" dirty="0"/>
-              <a:t>The final 2.x version 2.7 release came out in mid-2010, with a statement of extended support for this end of life release. There is no new major releases after that.</a:t>
-            </a:r>
-          </a:p>
-          <a:p>
-            <a:pPr marL="285750" indent="-285750">
-              <a:buFont typeface="Wingdings" panose="05000000000000000000" pitchFamily="2" charset="2"/>
-              <a:buChar char="§"/>
-            </a:pPr>
-            <a:r>
-              <a:rPr lang="en-US" sz="1400" dirty="0"/>
-              <a:t>Python 3.0 was released in 2008. 3.x is under active development and has already seen multiple stable releases. All recent standard library improvements are only available by default in Python 3.x (</a:t>
-            </a:r>
-            <a:r>
-              <a:rPr lang="en-US" sz="1400" b="1" dirty="0"/>
-              <a:t>latest: 3.6.3 released on 2017-10-03</a:t>
-            </a:r>
-            <a:r>
-              <a:rPr lang="en-US" sz="1400" dirty="0"/>
-              <a:t>). </a:t>
-            </a:r>
-          </a:p>
-          <a:p>
-            <a:pPr marL="285750" indent="-285750">
-              <a:buFont typeface="Wingdings" panose="05000000000000000000" pitchFamily="2" charset="2"/>
-              <a:buChar char="§"/>
-            </a:pPr>
-            <a:r>
-              <a:rPr lang="en-US" sz="1400" dirty="0"/>
-              <a:t>Python 2.7 will not be maintained past 2020, although official date has not been given.</a:t>
-            </a:r>
-          </a:p>
-        </p:txBody>
-      </p:sp>
-      <p:sp>
-        <p:nvSpPr>
-          <p:cNvPr id="6" name="TextBox 5">
-            <a:extLst>
-              <a:ext uri="{FF2B5EF4-FFF2-40B4-BE49-F238E27FC236}">
-                <a16:creationId xmlns:a16="http://schemas.microsoft.com/office/drawing/2014/main" id="{4CD6456D-890E-4F31-89B8-54EF6EFC6F16}"/>
-              </a:ext>
-            </a:extLst>
-          </p:cNvPr>
-          <p:cNvSpPr txBox="1"/>
-          <p:nvPr/>
-        </p:nvSpPr>
-        <p:spPr>
-          <a:xfrm>
-            <a:off x="483027" y="2620074"/>
-            <a:ext cx="11060224" cy="954107"/>
-          </a:xfrm>
-          <a:prstGeom prst="rect">
-            <a:avLst/>
-          </a:prstGeom>
-          <a:noFill/>
-        </p:spPr>
-        <p:txBody>
-          <a:bodyPr wrap="square" rtlCol="0">
-            <a:spAutoFit/>
-          </a:bodyPr>
-          <a:lstStyle/>
-          <a:p>
-            <a:r>
-              <a:rPr lang="en-US" sz="1400" dirty="0"/>
-              <a:t>Differences:</a:t>
-            </a:r>
-          </a:p>
-          <a:p>
-            <a:pPr marL="285750" indent="-285750">
-              <a:buFont typeface="Wingdings" panose="05000000000000000000" pitchFamily="2" charset="2"/>
-              <a:buChar char="§"/>
-            </a:pPr>
-            <a:r>
-              <a:rPr lang="en-US" sz="1400" dirty="0"/>
-              <a:t>Most obvious one: print function</a:t>
-            </a:r>
-          </a:p>
-          <a:p>
-            <a:r>
-              <a:rPr lang="en-US" sz="1400" dirty="0"/>
-              <a:t>	print ‘abc’ vs. print(‘abc’)</a:t>
-            </a:r>
-          </a:p>
-          <a:p>
-            <a:pPr marL="285750" indent="-285750">
-              <a:buFont typeface="Wingdings" panose="05000000000000000000" pitchFamily="2" charset="2"/>
-              <a:buChar char="§"/>
-            </a:pPr>
-            <a:r>
-              <a:rPr lang="en-US" sz="1400" dirty="0"/>
-              <a:t>There are still many packages/libraries only support Python2 …</a:t>
-            </a:r>
-          </a:p>
-        </p:txBody>
-      </p:sp>
-    </p:spTree>
-    <p:extLst>
-      <p:ext uri="{BB962C8B-B14F-4D97-AF65-F5344CB8AC3E}">
-        <p14:creationId xmlns:p14="http://schemas.microsoft.com/office/powerpoint/2010/main" val="4052654869"/>
-      </p:ext>
-    </p:extLst>
-  </p:cSld>
-  <p:clrMapOvr>
-    <a:masterClrMapping/>
-  </p:clrMapOvr>
-</p:sld>
-</file>
-
-<file path=ppt/slides/slide5.xml><?xml version="1.0" encoding="utf-8"?>
-<p:sld xmlns:a="http://schemas.openxmlformats.org/drawingml/2006/main" xmlns:r="http://schemas.openxmlformats.org/officeDocument/2006/relationships" xmlns:p="http://schemas.openxmlformats.org/presentationml/2006/main">
-  <p:cSld>
-    <p:spTree>
-      <p:nvGrpSpPr>
-        <p:cNvPr id="1" name=""/>
-        <p:cNvGrpSpPr/>
-        <p:nvPr/>
-      </p:nvGrpSpPr>
-      <p:grpSpPr>
-        <a:xfrm>
-          <a:off x="0" y="0"/>
-          <a:ext cx="0" cy="0"/>
-          <a:chOff x="0" y="0"/>
-          <a:chExt cx="0" cy="0"/>
-        </a:xfrm>
-      </p:grpSpPr>
-      <p:sp>
-        <p:nvSpPr>
           <p:cNvPr id="2" name="TextBox 1">
             <a:extLst>
               <a:ext uri="{FF2B5EF4-FFF2-40B4-BE49-F238E27FC236}">
@@ -4589,7 +4496,7 @@
 </p:sld>
 </file>
 
-<file path=ppt/slides/slide6.xml><?xml version="1.0" encoding="utf-8"?>
+<file path=ppt/slides/slide5.xml><?xml version="1.0" encoding="utf-8"?>
 <p:sld xmlns:a="http://schemas.openxmlformats.org/drawingml/2006/main" xmlns:r="http://schemas.openxmlformats.org/officeDocument/2006/relationships" xmlns:p="http://schemas.openxmlformats.org/presentationml/2006/main">
   <p:cSld>
     <p:spTree>
@@ -5592,7 +5499,7 @@
 </p:sld>
 </file>
 
-<file path=ppt/slides/slide7.xml><?xml version="1.0" encoding="utf-8"?>
+<file path=ppt/slides/slide6.xml><?xml version="1.0" encoding="utf-8"?>
 <p:sld xmlns:a="http://schemas.openxmlformats.org/drawingml/2006/main" xmlns:r="http://schemas.openxmlformats.org/officeDocument/2006/relationships" xmlns:p="http://schemas.openxmlformats.org/presentationml/2006/main">
   <p:cSld>
     <p:spTree>
@@ -5965,7 +5872,7 @@
 </p:sld>
 </file>
 
-<file path=ppt/slides/slide8.xml><?xml version="1.0" encoding="utf-8"?>
+<file path=ppt/slides/slide7.xml><?xml version="1.0" encoding="utf-8"?>
 <p:sld xmlns:a="http://schemas.openxmlformats.org/drawingml/2006/main" xmlns:r="http://schemas.openxmlformats.org/officeDocument/2006/relationships" xmlns:p="http://schemas.openxmlformats.org/presentationml/2006/main">
   <p:cSld>
     <p:bg>
@@ -6333,7 +6240,7 @@
 </p:sld>
 </file>
 
-<file path=ppt/slides/slide9.xml><?xml version="1.0" encoding="utf-8"?>
+<file path=ppt/slides/slide8.xml><?xml version="1.0" encoding="utf-8"?>
 <p:sld xmlns:a="http://schemas.openxmlformats.org/drawingml/2006/main" xmlns:r="http://schemas.openxmlformats.org/officeDocument/2006/relationships" xmlns:p="http://schemas.openxmlformats.org/presentationml/2006/main">
   <p:cSld>
     <p:spTree>

--- a/materials/draft.pptx
+++ b/materials/draft.pptx
@@ -13,6 +13,7 @@
     <p:sldId id="265" r:id="rId7"/>
     <p:sldId id="267" r:id="rId8"/>
     <p:sldId id="268" r:id="rId9"/>
+    <p:sldId id="269" r:id="rId10"/>
   </p:sldIdLst>
   <p:sldSz cx="12192000" cy="6858000"/>
   <p:notesSz cx="6858000" cy="9144000"/>
@@ -266,7 +267,7 @@
           <a:p>
             <a:fld id="{CCF39288-C9BE-411C-8287-FC5D6539A5FE}" type="datetimeFigureOut">
               <a:rPr lang="en-US" smtClean="0"/>
-              <a:t>3/1/19</a:t>
+              <a:t>3/2/19</a:t>
             </a:fld>
             <a:endParaRPr lang="en-US"/>
           </a:p>
@@ -464,7 +465,7 @@
           <a:p>
             <a:fld id="{CCF39288-C9BE-411C-8287-FC5D6539A5FE}" type="datetimeFigureOut">
               <a:rPr lang="en-US" smtClean="0"/>
-              <a:t>3/1/19</a:t>
+              <a:t>3/2/19</a:t>
             </a:fld>
             <a:endParaRPr lang="en-US"/>
           </a:p>
@@ -672,7 +673,7 @@
           <a:p>
             <a:fld id="{CCF39288-C9BE-411C-8287-FC5D6539A5FE}" type="datetimeFigureOut">
               <a:rPr lang="en-US" smtClean="0"/>
-              <a:t>3/1/19</a:t>
+              <a:t>3/2/19</a:t>
             </a:fld>
             <a:endParaRPr lang="en-US"/>
           </a:p>
@@ -870,7 +871,7 @@
           <a:p>
             <a:fld id="{CCF39288-C9BE-411C-8287-FC5D6539A5FE}" type="datetimeFigureOut">
               <a:rPr lang="en-US" smtClean="0"/>
-              <a:t>3/1/19</a:t>
+              <a:t>3/2/19</a:t>
             </a:fld>
             <a:endParaRPr lang="en-US"/>
           </a:p>
@@ -1145,7 +1146,7 @@
           <a:p>
             <a:fld id="{CCF39288-C9BE-411C-8287-FC5D6539A5FE}" type="datetimeFigureOut">
               <a:rPr lang="en-US" smtClean="0"/>
-              <a:t>3/1/19</a:t>
+              <a:t>3/2/19</a:t>
             </a:fld>
             <a:endParaRPr lang="en-US"/>
           </a:p>
@@ -1410,7 +1411,7 @@
           <a:p>
             <a:fld id="{CCF39288-C9BE-411C-8287-FC5D6539A5FE}" type="datetimeFigureOut">
               <a:rPr lang="en-US" smtClean="0"/>
-              <a:t>3/1/19</a:t>
+              <a:t>3/2/19</a:t>
             </a:fld>
             <a:endParaRPr lang="en-US"/>
           </a:p>
@@ -1822,7 +1823,7 @@
           <a:p>
             <a:fld id="{CCF39288-C9BE-411C-8287-FC5D6539A5FE}" type="datetimeFigureOut">
               <a:rPr lang="en-US" smtClean="0"/>
-              <a:t>3/1/19</a:t>
+              <a:t>3/2/19</a:t>
             </a:fld>
             <a:endParaRPr lang="en-US"/>
           </a:p>
@@ -1963,7 +1964,7 @@
           <a:p>
             <a:fld id="{CCF39288-C9BE-411C-8287-FC5D6539A5FE}" type="datetimeFigureOut">
               <a:rPr lang="en-US" smtClean="0"/>
-              <a:t>3/1/19</a:t>
+              <a:t>3/2/19</a:t>
             </a:fld>
             <a:endParaRPr lang="en-US"/>
           </a:p>
@@ -2076,7 +2077,7 @@
           <a:p>
             <a:fld id="{CCF39288-C9BE-411C-8287-FC5D6539A5FE}" type="datetimeFigureOut">
               <a:rPr lang="en-US" smtClean="0"/>
-              <a:t>3/1/19</a:t>
+              <a:t>3/2/19</a:t>
             </a:fld>
             <a:endParaRPr lang="en-US"/>
           </a:p>
@@ -2387,7 +2388,7 @@
           <a:p>
             <a:fld id="{CCF39288-C9BE-411C-8287-FC5D6539A5FE}" type="datetimeFigureOut">
               <a:rPr lang="en-US" smtClean="0"/>
-              <a:t>3/1/19</a:t>
+              <a:t>3/2/19</a:t>
             </a:fld>
             <a:endParaRPr lang="en-US"/>
           </a:p>
@@ -2675,7 +2676,7 @@
           <a:p>
             <a:fld id="{CCF39288-C9BE-411C-8287-FC5D6539A5FE}" type="datetimeFigureOut">
               <a:rPr lang="en-US" smtClean="0"/>
-              <a:t>3/1/19</a:t>
+              <a:t>3/2/19</a:t>
             </a:fld>
             <a:endParaRPr lang="en-US"/>
           </a:p>
@@ -2916,7 +2917,7 @@
           <a:p>
             <a:fld id="{CCF39288-C9BE-411C-8287-FC5D6539A5FE}" type="datetimeFigureOut">
               <a:rPr lang="en-US" smtClean="0"/>
-              <a:t>3/1/19</a:t>
+              <a:t>3/2/19</a:t>
             </a:fld>
             <a:endParaRPr lang="en-US"/>
           </a:p>
@@ -7364,6 +7365,293 @@
 </p:sld>
 </file>
 
+<file path=ppt/slides/slide9.xml><?xml version="1.0" encoding="utf-8"?>
+<p:sld xmlns:a="http://schemas.openxmlformats.org/drawingml/2006/main" xmlns:r="http://schemas.openxmlformats.org/officeDocument/2006/relationships" xmlns:p="http://schemas.openxmlformats.org/presentationml/2006/main">
+  <p:cSld>
+    <p:bg>
+      <p:bgPr>
+        <a:solidFill>
+          <a:schemeClr val="bg1"/>
+        </a:solidFill>
+        <a:effectLst/>
+      </p:bgPr>
+    </p:bg>
+    <p:spTree>
+      <p:nvGrpSpPr>
+        <p:cNvPr id="1" name=""/>
+        <p:cNvGrpSpPr/>
+        <p:nvPr/>
+      </p:nvGrpSpPr>
+      <p:grpSpPr>
+        <a:xfrm>
+          <a:off x="0" y="0"/>
+          <a:ext cx="0" cy="0"/>
+          <a:chOff x="0" y="0"/>
+          <a:chExt cx="0" cy="0"/>
+        </a:xfrm>
+      </p:grpSpPr>
+      <p:sp>
+        <p:nvSpPr>
+          <p:cNvPr id="8" name="Rectangle 7">
+            <a:extLst>
+              <a:ext uri="{FF2B5EF4-FFF2-40B4-BE49-F238E27FC236}">
+                <a16:creationId xmlns:a16="http://schemas.microsoft.com/office/drawing/2014/main" id="{A9F529C3-C941-49FD-8C67-82F134F64BDB}"/>
+              </a:ext>
+              <a:ext uri="{C183D7F6-B498-43B3-948B-1728B52AA6E4}">
+                <adec:decorative xmlns:adec="http://schemas.microsoft.com/office/drawing/2017/decorative" val="1"/>
+              </a:ext>
+            </a:extLst>
+          </p:cNvPr>
+          <p:cNvSpPr>
+            <a:spLocks noGrp="1" noRot="1" noChangeAspect="1" noMove="1" noResize="1" noEditPoints="1" noAdjustHandles="1" noChangeArrowheads="1" noChangeShapeType="1" noTextEdit="1"/>
+          </p:cNvSpPr>
+          <p:nvPr>
+            <p:extLst>
+              <p:ext uri="{386F3935-93C4-4BCD-93E2-E3B085C9AB24}">
+                <p16:designElem xmlns:p16="http://schemas.microsoft.com/office/powerpoint/2015/main" val="1"/>
+              </p:ext>
+            </p:extLst>
+          </p:nvPr>
+        </p:nvSpPr>
+        <p:spPr>
+          <a:xfrm>
+            <a:off x="0" y="0"/>
+            <a:ext cx="12192000" cy="6858000"/>
+          </a:xfrm>
+          <a:prstGeom prst="rect">
+            <a:avLst/>
+          </a:prstGeom>
+          <a:solidFill>
+            <a:schemeClr val="tx1">
+              <a:lumMod val="50000"/>
+              <a:lumOff val="50000"/>
+              <a:alpha val="30000"/>
+            </a:schemeClr>
+          </a:solidFill>
+          <a:ln>
+            <a:noFill/>
+          </a:ln>
+        </p:spPr>
+        <p:style>
+          <a:lnRef idx="2">
+            <a:schemeClr val="accent1">
+              <a:shade val="50000"/>
+            </a:schemeClr>
+          </a:lnRef>
+          <a:fillRef idx="1">
+            <a:schemeClr val="accent1"/>
+          </a:fillRef>
+          <a:effectRef idx="0">
+            <a:schemeClr val="accent1"/>
+          </a:effectRef>
+          <a:fontRef idx="minor">
+            <a:schemeClr val="lt1"/>
+          </a:fontRef>
+        </p:style>
+        <p:txBody>
+          <a:bodyPr rtlCol="0" anchor="ctr"/>
+          <a:lstStyle/>
+          <a:p>
+            <a:pPr algn="ctr"/>
+            <a:endParaRPr lang="en-US"/>
+          </a:p>
+        </p:txBody>
+      </p:sp>
+      <p:sp>
+        <p:nvSpPr>
+          <p:cNvPr id="10" name="Rectangle 9">
+            <a:extLst>
+              <a:ext uri="{FF2B5EF4-FFF2-40B4-BE49-F238E27FC236}">
+                <a16:creationId xmlns:a16="http://schemas.microsoft.com/office/drawing/2014/main" id="{20586029-32A0-47E5-9AEC-AE3ABA6B94D0}"/>
+              </a:ext>
+              <a:ext uri="{C183D7F6-B498-43B3-948B-1728B52AA6E4}">
+                <adec:decorative xmlns:adec="http://schemas.microsoft.com/office/drawing/2017/decorative" val="1"/>
+              </a:ext>
+            </a:extLst>
+          </p:cNvPr>
+          <p:cNvSpPr>
+            <a:spLocks noGrp="1" noRot="1" noChangeAspect="1" noMove="1" noResize="1" noEditPoints="1" noAdjustHandles="1" noChangeArrowheads="1" noChangeShapeType="1" noTextEdit="1"/>
+          </p:cNvSpPr>
+          <p:nvPr>
+            <p:extLst>
+              <p:ext uri="{386F3935-93C4-4BCD-93E2-E3B085C9AB24}">
+                <p16:designElem xmlns:p16="http://schemas.microsoft.com/office/powerpoint/2015/main" val="1"/>
+              </p:ext>
+            </p:extLst>
+          </p:nvPr>
+        </p:nvSpPr>
+        <p:spPr>
+          <a:xfrm>
+            <a:off x="477012" y="480060"/>
+            <a:ext cx="11237976" cy="5897880"/>
+          </a:xfrm>
+          <a:prstGeom prst="rect">
+            <a:avLst/>
+          </a:prstGeom>
+          <a:solidFill>
+            <a:srgbClr val="FFFFFF"/>
+          </a:solidFill>
+          <a:ln w="9525">
+            <a:noFill/>
+          </a:ln>
+          <a:effectLst>
+            <a:outerShdw blurRad="63500" dist="17780" dir="5400000" algn="t" rotWithShape="0">
+              <a:prstClr val="black">
+                <a:alpha val="43000"/>
+              </a:prstClr>
+            </a:outerShdw>
+          </a:effectLst>
+        </p:spPr>
+        <p:style>
+          <a:lnRef idx="2">
+            <a:schemeClr val="accent1">
+              <a:shade val="50000"/>
+            </a:schemeClr>
+          </a:lnRef>
+          <a:fillRef idx="1">
+            <a:schemeClr val="accent1"/>
+          </a:fillRef>
+          <a:effectRef idx="0">
+            <a:schemeClr val="accent1"/>
+          </a:effectRef>
+          <a:fontRef idx="minor">
+            <a:schemeClr val="lt1"/>
+          </a:fontRef>
+        </p:style>
+        <p:txBody>
+          <a:bodyPr rtlCol="0" anchor="ctr"/>
+          <a:lstStyle/>
+          <a:p>
+            <a:pPr algn="ctr"/>
+            <a:endParaRPr lang="en-US"/>
+          </a:p>
+        </p:txBody>
+      </p:sp>
+      <p:pic>
+        <p:nvPicPr>
+          <p:cNvPr id="2" name="Picture 1">
+            <a:extLst>
+              <a:ext uri="{FF2B5EF4-FFF2-40B4-BE49-F238E27FC236}">
+                <a16:creationId xmlns:a16="http://schemas.microsoft.com/office/drawing/2014/main" id="{3F7C914F-894F-4244-8C7A-9A0CE923864B}"/>
+              </a:ext>
+            </a:extLst>
+          </p:cNvPr>
+          <p:cNvPicPr>
+            <a:picLocks noChangeAspect="1"/>
+          </p:cNvPicPr>
+          <p:nvPr/>
+        </p:nvPicPr>
+        <p:blipFill>
+          <a:blip r:embed="rId2"/>
+          <a:stretch>
+            <a:fillRect/>
+          </a:stretch>
+        </p:blipFill>
+        <p:spPr>
+          <a:xfrm>
+            <a:off x="643467" y="1066232"/>
+            <a:ext cx="5294716" cy="4725533"/>
+          </a:xfrm>
+          <a:prstGeom prst="rect">
+            <a:avLst/>
+          </a:prstGeom>
+        </p:spPr>
+      </p:pic>
+      <p:cxnSp>
+        <p:nvCxnSpPr>
+          <p:cNvPr id="12" name="Straight Connector 11">
+            <a:extLst>
+              <a:ext uri="{FF2B5EF4-FFF2-40B4-BE49-F238E27FC236}">
+                <a16:creationId xmlns:a16="http://schemas.microsoft.com/office/drawing/2014/main" id="{8C730EAB-A532-4295-A302-FB4B90DB9F5E}"/>
+              </a:ext>
+              <a:ext uri="{C183D7F6-B498-43B3-948B-1728B52AA6E4}">
+                <adec:decorative xmlns:adec="http://schemas.microsoft.com/office/drawing/2017/decorative" val="1"/>
+              </a:ext>
+            </a:extLst>
+          </p:cNvPr>
+          <p:cNvCxnSpPr>
+            <a:cxnSpLocks noGrp="1" noRot="1" noChangeAspect="1" noMove="1" noResize="1" noEditPoints="1" noAdjustHandles="1" noChangeArrowheads="1" noChangeShapeType="1"/>
+          </p:cNvCxnSpPr>
+          <p:nvPr>
+            <p:extLst>
+              <p:ext uri="{386F3935-93C4-4BCD-93E2-E3B085C9AB24}">
+                <p16:designElem xmlns:p16="http://schemas.microsoft.com/office/powerpoint/2015/main" val="1"/>
+              </p:ext>
+            </p:extLst>
+          </p:nvPr>
+        </p:nvCxnSpPr>
+        <p:spPr>
+          <a:xfrm>
+            <a:off x="6079958" y="1143000"/>
+            <a:ext cx="0" cy="4572000"/>
+          </a:xfrm>
+          <a:prstGeom prst="line">
+            <a:avLst/>
+          </a:prstGeom>
+          <a:ln>
+            <a:solidFill>
+              <a:srgbClr val="4E4E4E"/>
+            </a:solidFill>
+          </a:ln>
+        </p:spPr>
+        <p:style>
+          <a:lnRef idx="1">
+            <a:schemeClr val="accent1"/>
+          </a:lnRef>
+          <a:fillRef idx="0">
+            <a:schemeClr val="accent1"/>
+          </a:fillRef>
+          <a:effectRef idx="0">
+            <a:schemeClr val="accent1"/>
+          </a:effectRef>
+          <a:fontRef idx="minor">
+            <a:schemeClr val="tx1"/>
+          </a:fontRef>
+        </p:style>
+      </p:cxnSp>
+      <p:pic>
+        <p:nvPicPr>
+          <p:cNvPr id="3" name="Picture 2">
+            <a:extLst>
+              <a:ext uri="{FF2B5EF4-FFF2-40B4-BE49-F238E27FC236}">
+                <a16:creationId xmlns:a16="http://schemas.microsoft.com/office/drawing/2014/main" id="{168311F4-684B-3449-B037-6F42AA9848EA}"/>
+              </a:ext>
+            </a:extLst>
+          </p:cNvPr>
+          <p:cNvPicPr>
+            <a:picLocks noChangeAspect="1"/>
+          </p:cNvPicPr>
+          <p:nvPr/>
+        </p:nvPicPr>
+        <p:blipFill>
+          <a:blip r:embed="rId3"/>
+          <a:stretch>
+            <a:fillRect/>
+          </a:stretch>
+        </p:blipFill>
+        <p:spPr>
+          <a:xfrm>
+            <a:off x="6253817" y="1066234"/>
+            <a:ext cx="5294715" cy="4725532"/>
+          </a:xfrm>
+          <a:prstGeom prst="rect">
+            <a:avLst/>
+          </a:prstGeom>
+        </p:spPr>
+      </p:pic>
+    </p:spTree>
+    <p:extLst>
+      <p:ext uri="{BB962C8B-B14F-4D97-AF65-F5344CB8AC3E}">
+        <p14:creationId xmlns:p14="http://schemas.microsoft.com/office/powerpoint/2010/main" val="2428246178"/>
+      </p:ext>
+    </p:extLst>
+  </p:cSld>
+  <p:clrMapOvr>
+    <a:masterClrMapping/>
+  </p:clrMapOvr>
+</p:sld>
+</file>
+
 <file path=ppt/theme/theme1.xml><?xml version="1.0" encoding="utf-8"?>
 <a:theme xmlns:a="http://schemas.openxmlformats.org/drawingml/2006/main" name="Office Theme">
   <a:themeElements>

--- a/materials/draft.pptx
+++ b/materials/draft.pptx
@@ -14,6 +14,7 @@
     <p:sldId id="267" r:id="rId8"/>
     <p:sldId id="268" r:id="rId9"/>
     <p:sldId id="269" r:id="rId10"/>
+    <p:sldId id="270" r:id="rId11"/>
   </p:sldIdLst>
   <p:sldSz cx="12192000" cy="6858000"/>
   <p:notesSz cx="6858000" cy="9144000"/>
@@ -3735,6 +3736,71 @@
     <p:extLst>
       <p:ext uri="{BB962C8B-B14F-4D97-AF65-F5344CB8AC3E}">
         <p14:creationId xmlns:p14="http://schemas.microsoft.com/office/powerpoint/2010/main" val="1839643824"/>
+      </p:ext>
+    </p:extLst>
+  </p:cSld>
+  <p:clrMapOvr>
+    <a:masterClrMapping/>
+  </p:clrMapOvr>
+</p:sld>
+</file>
+
+<file path=ppt/slides/slide10.xml><?xml version="1.0" encoding="utf-8"?>
+<p:sld xmlns:a="http://schemas.openxmlformats.org/drawingml/2006/main" xmlns:r="http://schemas.openxmlformats.org/officeDocument/2006/relationships" xmlns:p="http://schemas.openxmlformats.org/presentationml/2006/main">
+  <p:cSld>
+    <p:spTree>
+      <p:nvGrpSpPr>
+        <p:cNvPr id="1" name=""/>
+        <p:cNvGrpSpPr/>
+        <p:nvPr/>
+      </p:nvGrpSpPr>
+      <p:grpSpPr>
+        <a:xfrm>
+          <a:off x="0" y="0"/>
+          <a:ext cx="0" cy="0"/>
+          <a:chOff x="0" y="0"/>
+          <a:chExt cx="0" cy="0"/>
+        </a:xfrm>
+      </p:grpSpPr>
+      <p:sp>
+        <p:nvSpPr>
+          <p:cNvPr id="2" name="TextBox 1">
+            <a:extLst>
+              <a:ext uri="{FF2B5EF4-FFF2-40B4-BE49-F238E27FC236}">
+                <a16:creationId xmlns:a16="http://schemas.microsoft.com/office/drawing/2014/main" id="{C63D4B03-0C38-1947-B151-5233ACAB993E}"/>
+              </a:ext>
+            </a:extLst>
+          </p:cNvPr>
+          <p:cNvSpPr txBox="1"/>
+          <p:nvPr/>
+        </p:nvSpPr>
+        <p:spPr>
+          <a:xfrm>
+            <a:off x="9164055" y="149088"/>
+            <a:ext cx="3027945" cy="369332"/>
+          </a:xfrm>
+          <a:prstGeom prst="rect">
+            <a:avLst/>
+          </a:prstGeom>
+          <a:noFill/>
+        </p:spPr>
+        <p:txBody>
+          <a:bodyPr wrap="none" rtlCol="0">
+            <a:spAutoFit/>
+          </a:bodyPr>
+          <a:lstStyle/>
+          <a:p>
+            <a:r>
+              <a:rPr lang="en-US" dirty="0"/>
+              <a:t>Copyright © 2019 Xiangshi Yin</a:t>
+            </a:r>
+          </a:p>
+        </p:txBody>
+      </p:sp>
+    </p:spTree>
+    <p:extLst>
+      <p:ext uri="{BB962C8B-B14F-4D97-AF65-F5344CB8AC3E}">
+        <p14:creationId xmlns:p14="http://schemas.microsoft.com/office/powerpoint/2010/main" val="3304923125"/>
       </p:ext>
     </p:extLst>
   </p:cSld>
@@ -7529,7 +7595,7 @@
       </p:sp>
       <p:pic>
         <p:nvPicPr>
-          <p:cNvPr id="2" name="Picture 1">
+          <p:cNvPr id="2" name="Picture 1" descr="A screenshot of a cell phone&#10;&#10;Description automatically generated">
             <a:extLst>
               <a:ext uri="{FF2B5EF4-FFF2-40B4-BE49-F238E27FC236}">
                 <a16:creationId xmlns:a16="http://schemas.microsoft.com/office/drawing/2014/main" id="{3F7C914F-894F-4244-8C7A-9A0CE923864B}"/>
@@ -7611,7 +7677,7 @@
       </p:cxnSp>
       <p:pic>
         <p:nvPicPr>
-          <p:cNvPr id="3" name="Picture 2">
+          <p:cNvPr id="3" name="Picture 2" descr="A purple flower in a field&#10;&#10;Description automatically generated">
             <a:extLst>
               <a:ext uri="{FF2B5EF4-FFF2-40B4-BE49-F238E27FC236}">
                 <a16:creationId xmlns:a16="http://schemas.microsoft.com/office/drawing/2014/main" id="{168311F4-684B-3449-B037-6F42AA9848EA}"/>
